--- a/Dokumentacija/Mreza znanja.pptx
+++ b/Dokumentacija/Mreza znanja.pptx
@@ -114,6 +114,11 @@
       </a:defRPr>
     </a:lvl9pPr>
   </p:defaultTextStyle>
+  <p:extLst>
+    <p:ext uri="{EFAFB233-063F-42B5-8137-9DF3F51BA10A}">
+      <p15:sldGuideLst xmlns:p15="http://schemas.microsoft.com/office/powerpoint/2012/main"/>
+    </p:ext>
+  </p:extLst>
 </p:presentation>
 </file>
 
@@ -7877,8 +7882,8 @@
         </p:blipFill>
         <p:spPr>
           <a:xfrm>
-            <a:off x="9723734" y="-201914"/>
-            <a:ext cx="2778891" cy="2778891"/>
+            <a:off x="9925362" y="-201914"/>
+            <a:ext cx="2577263" cy="2577263"/>
           </a:xfrm>
           <a:prstGeom prst="rect">
             <a:avLst/>
@@ -7895,6 +7900,18 @@
   <p:clrMapOvr>
     <a:masterClrMapping/>
   </p:clrMapOvr>
+  <mc:AlternateContent xmlns:mc="http://schemas.openxmlformats.org/markup-compatibility/2006">
+    <mc:Choice xmlns:p14="http://schemas.microsoft.com/office/powerpoint/2010/main" Requires="p14">
+      <p:transition spd="slow" p14:dur="1300">
+        <p14:pan dir="u"/>
+      </p:transition>
+    </mc:Choice>
+    <mc:Fallback>
+      <p:transition spd="slow">
+        <p:fade/>
+      </p:transition>
+    </mc:Fallback>
+  </mc:AlternateContent>
 </p:sld>
 </file>
 
@@ -8068,10 +8085,10 @@
       </p:sp>
       <p:pic>
         <p:nvPicPr>
-          <p:cNvPr id="6" name="Picture 5" descr="A cartoon spider wearing glasses&#10;&#10;Description automatically generated">
+          <p:cNvPr id="4" name="Picture 3" descr="A cartoon spider wearing glasses&#10;&#10;Description automatically generated">
             <a:extLst>
               <a:ext uri="{FF2B5EF4-FFF2-40B4-BE49-F238E27FC236}">
-                <a16:creationId xmlns:a16="http://schemas.microsoft.com/office/drawing/2014/main" id="{83439CBF-B3B3-C37A-D196-7DCF72C7A149}"/>
+                <a16:creationId xmlns:a16="http://schemas.microsoft.com/office/drawing/2014/main" id="{84D49A59-7A4A-FB1F-ECBB-58492A8D0A84}"/>
               </a:ext>
             </a:extLst>
           </p:cNvPr>
@@ -8103,8 +8120,8 @@
         </p:blipFill>
         <p:spPr>
           <a:xfrm>
-            <a:off x="9778282" y="-156976"/>
-            <a:ext cx="2778891" cy="2778891"/>
+            <a:off x="9925362" y="-201914"/>
+            <a:ext cx="2577263" cy="2577263"/>
           </a:xfrm>
           <a:prstGeom prst="rect">
             <a:avLst/>
@@ -8121,6 +8138,18 @@
   <p:clrMapOvr>
     <a:masterClrMapping/>
   </p:clrMapOvr>
+  <mc:AlternateContent xmlns:mc="http://schemas.openxmlformats.org/markup-compatibility/2006">
+    <mc:Choice xmlns:p14="http://schemas.microsoft.com/office/powerpoint/2010/main" Requires="p14">
+      <p:transition spd="slow" p14:dur="1300">
+        <p14:pan dir="u"/>
+      </p:transition>
+    </mc:Choice>
+    <mc:Fallback>
+      <p:transition spd="slow">
+        <p:fade/>
+      </p:transition>
+    </mc:Fallback>
+  </mc:AlternateContent>
 </p:sld>
 </file>
 
@@ -8195,7 +8224,7 @@
         </p:nvSpPr>
         <p:spPr>
           <a:xfrm>
-            <a:off x="1705923" y="2291127"/>
+            <a:off x="1705923" y="1989646"/>
             <a:ext cx="10429791" cy="3889917"/>
           </a:xfrm>
         </p:spPr>
@@ -8262,7 +8291,15 @@
             <a:pPr lvl="1"/>
             <a:r>
               <a:rPr lang="sr-Cyrl-RS" sz="2000" dirty="0"/>
-              <a:t>Јединично тестирање контролера и модела: 5, по један за сваку игру у окршају.</a:t>
+              <a:t>Јединично тестирање контролера и модела: </a:t>
+            </a:r>
+            <a:r>
+              <a:rPr lang="en-US" sz="2000" dirty="0"/>
+              <a:t>4</a:t>
+            </a:r>
+            <a:r>
+              <a:rPr lang="sr-Cyrl-RS" sz="2000" dirty="0"/>
+              <a:t>, по један за сваку игру у окршају.</a:t>
             </a:r>
           </a:p>
           <a:p>
@@ -8277,10 +8314,10 @@
       </p:sp>
       <p:pic>
         <p:nvPicPr>
-          <p:cNvPr id="6" name="Picture 5" descr="A cartoon spider wearing glasses&#10;&#10;Description automatically generated">
+          <p:cNvPr id="4" name="Picture 3" descr="A cartoon spider wearing glasses&#10;&#10;Description automatically generated">
             <a:extLst>
               <a:ext uri="{FF2B5EF4-FFF2-40B4-BE49-F238E27FC236}">
-                <a16:creationId xmlns:a16="http://schemas.microsoft.com/office/drawing/2014/main" id="{83439CBF-B3B3-C37A-D196-7DCF72C7A149}"/>
+                <a16:creationId xmlns:a16="http://schemas.microsoft.com/office/drawing/2014/main" id="{C613EA95-456D-D3DF-0AEE-AAA40901F9AE}"/>
               </a:ext>
             </a:extLst>
           </p:cNvPr>
@@ -8312,8 +8349,8 @@
         </p:blipFill>
         <p:spPr>
           <a:xfrm>
-            <a:off x="9778282" y="-156976"/>
-            <a:ext cx="2778891" cy="2778891"/>
+            <a:off x="9925362" y="-201914"/>
+            <a:ext cx="2577263" cy="2577263"/>
           </a:xfrm>
           <a:prstGeom prst="rect">
             <a:avLst/>
@@ -8330,6 +8367,18 @@
   <p:clrMapOvr>
     <a:masterClrMapping/>
   </p:clrMapOvr>
+  <mc:AlternateContent xmlns:mc="http://schemas.openxmlformats.org/markup-compatibility/2006">
+    <mc:Choice xmlns:p14="http://schemas.microsoft.com/office/powerpoint/2010/main" Requires="p14">
+      <p:transition spd="slow" p14:dur="1300">
+        <p14:pan dir="u"/>
+      </p:transition>
+    </mc:Choice>
+    <mc:Fallback>
+      <p:transition spd="slow">
+        <p:fade/>
+      </p:transition>
+    </mc:Fallback>
+  </mc:AlternateContent>
 </p:sld>
 </file>
 
@@ -8366,16 +8415,23 @@
             <p:ph type="title"/>
           </p:nvPr>
         </p:nvSpPr>
-        <p:spPr/>
+        <p:spPr>
+          <a:xfrm>
+            <a:off x="1640156" y="636141"/>
+            <a:ext cx="8911687" cy="1280890"/>
+          </a:xfrm>
+        </p:spPr>
         <p:txBody>
-          <a:bodyPr/>
+          <a:bodyPr>
+            <a:normAutofit/>
+          </a:bodyPr>
           <a:lstStyle/>
           <a:p>
             <a:r>
-              <a:rPr lang="sr-Cyrl-RS" dirty="0"/>
+              <a:rPr lang="sr-Cyrl-RS" sz="3400" dirty="0"/>
               <a:t>Фаза 1: Пројектни задатак</a:t>
             </a:r>
-            <a:endParaRPr lang="en-US" dirty="0"/>
+            <a:endParaRPr lang="en-US" sz="3400" dirty="0"/>
           </a:p>
         </p:txBody>
       </p:sp>
@@ -8438,10 +8494,10 @@
       </p:sp>
       <p:pic>
         <p:nvPicPr>
-          <p:cNvPr id="4" name="Picture 3" descr="A cartoon spider wearing glasses&#10;&#10;Description automatically generated">
+          <p:cNvPr id="5" name="Picture 4" descr="A cartoon spider wearing glasses&#10;&#10;Description automatically generated">
             <a:extLst>
               <a:ext uri="{FF2B5EF4-FFF2-40B4-BE49-F238E27FC236}">
-                <a16:creationId xmlns:a16="http://schemas.microsoft.com/office/drawing/2014/main" id="{31AFA230-07C8-28F5-62C0-AD4014CF64F7}"/>
+                <a16:creationId xmlns:a16="http://schemas.microsoft.com/office/drawing/2014/main" id="{075F9AFC-7DE6-A1CD-B5AC-847EF3F788A6}"/>
               </a:ext>
             </a:extLst>
           </p:cNvPr>
@@ -8473,8 +8529,8 @@
         </p:blipFill>
         <p:spPr>
           <a:xfrm>
-            <a:off x="9723734" y="-201914"/>
-            <a:ext cx="2778891" cy="2778891"/>
+            <a:off x="9877235" y="-224590"/>
+            <a:ext cx="2577263" cy="2577263"/>
           </a:xfrm>
           <a:prstGeom prst="rect">
             <a:avLst/>
@@ -8491,6 +8547,18 @@
   <p:clrMapOvr>
     <a:masterClrMapping/>
   </p:clrMapOvr>
+  <mc:AlternateContent xmlns:mc="http://schemas.openxmlformats.org/markup-compatibility/2006">
+    <mc:Choice xmlns:p14="http://schemas.microsoft.com/office/powerpoint/2010/main" Requires="p14">
+      <p:transition spd="slow" p14:dur="1300">
+        <p14:pan dir="u"/>
+      </p:transition>
+    </mc:Choice>
+    <mc:Fallback>
+      <p:transition spd="slow">
+        <p:fade/>
+      </p:transition>
+    </mc:Fallback>
+  </mc:AlternateContent>
 </p:sld>
 </file>
 
@@ -8529,7 +8597,7 @@
         </p:nvSpPr>
         <p:spPr>
           <a:xfrm>
-            <a:off x="1705925" y="592024"/>
+            <a:off x="1529462" y="624108"/>
             <a:ext cx="9461803" cy="1280890"/>
           </a:xfrm>
         </p:spPr>
@@ -8540,10 +8608,10 @@
           <a:lstStyle/>
           <a:p>
             <a:r>
-              <a:rPr lang="sr-Cyrl-RS" sz="3200" dirty="0"/>
+              <a:rPr lang="sr-Cyrl-RS" sz="3400" dirty="0"/>
               <a:t>Фаза 2: Сценарио случајева употребе</a:t>
             </a:r>
-            <a:endParaRPr lang="en-US" sz="3200" dirty="0"/>
+            <a:endParaRPr lang="en-US" sz="3400" dirty="0"/>
           </a:p>
         </p:txBody>
       </p:sp>
@@ -8565,7 +8633,7 @@
         </p:nvSpPr>
         <p:spPr>
           <a:xfrm>
-            <a:off x="1705925" y="2069432"/>
+            <a:off x="1529462" y="1904998"/>
             <a:ext cx="10429791" cy="3889917"/>
           </a:xfrm>
         </p:spPr>
@@ -8645,10 +8713,10 @@
       </p:sp>
       <p:pic>
         <p:nvPicPr>
-          <p:cNvPr id="6" name="Picture 5" descr="A cartoon spider wearing glasses&#10;&#10;Description automatically generated">
+          <p:cNvPr id="4" name="Picture 3" descr="A cartoon spider wearing glasses&#10;&#10;Description automatically generated">
             <a:extLst>
               <a:ext uri="{FF2B5EF4-FFF2-40B4-BE49-F238E27FC236}">
-                <a16:creationId xmlns:a16="http://schemas.microsoft.com/office/drawing/2014/main" id="{83439CBF-B3B3-C37A-D196-7DCF72C7A149}"/>
+                <a16:creationId xmlns:a16="http://schemas.microsoft.com/office/drawing/2014/main" id="{BEB7FB9A-2EFD-C2F2-0B07-183710653E43}"/>
               </a:ext>
             </a:extLst>
           </p:cNvPr>
@@ -8680,8 +8748,8 @@
         </p:blipFill>
         <p:spPr>
           <a:xfrm>
-            <a:off x="9778282" y="-156976"/>
-            <a:ext cx="2778891" cy="2778891"/>
+            <a:off x="9925362" y="-201914"/>
+            <a:ext cx="2577263" cy="2577263"/>
           </a:xfrm>
           <a:prstGeom prst="rect">
             <a:avLst/>
@@ -8698,6 +8766,18 @@
   <p:clrMapOvr>
     <a:masterClrMapping/>
   </p:clrMapOvr>
+  <mc:AlternateContent xmlns:mc="http://schemas.openxmlformats.org/markup-compatibility/2006">
+    <mc:Choice xmlns:p14="http://schemas.microsoft.com/office/powerpoint/2010/main" Requires="p14">
+      <p:transition spd="slow" p14:dur="1300">
+        <p14:pan dir="u"/>
+      </p:transition>
+    </mc:Choice>
+    <mc:Fallback>
+      <p:transition spd="slow">
+        <p:fade/>
+      </p:transition>
+    </mc:Fallback>
+  </mc:AlternateContent>
 </p:sld>
 </file>
 
@@ -8736,7 +8816,7 @@
         </p:nvSpPr>
         <p:spPr>
           <a:xfrm>
-            <a:off x="1705925" y="592024"/>
+            <a:off x="1529462" y="521369"/>
             <a:ext cx="9461803" cy="1280890"/>
           </a:xfrm>
         </p:spPr>
@@ -8747,10 +8827,10 @@
           <a:lstStyle/>
           <a:p>
             <a:r>
-              <a:rPr lang="sr-Cyrl-RS" sz="3200" dirty="0"/>
+              <a:rPr lang="sr-Cyrl-RS" sz="3400" dirty="0"/>
               <a:t>Фаза 2: Сценарио случајева употребе</a:t>
             </a:r>
-            <a:endParaRPr lang="en-US" sz="3200" dirty="0"/>
+            <a:endParaRPr lang="en-US" sz="3400" dirty="0"/>
           </a:p>
         </p:txBody>
       </p:sp>
@@ -8772,7 +8852,7 @@
         </p:nvSpPr>
         <p:spPr>
           <a:xfrm>
-            <a:off x="1331495" y="2069432"/>
+            <a:off x="1529462" y="1802259"/>
             <a:ext cx="10804221" cy="4363452"/>
           </a:xfrm>
         </p:spPr>
@@ -8870,10 +8950,10 @@
       </p:sp>
       <p:pic>
         <p:nvPicPr>
-          <p:cNvPr id="6" name="Picture 5" descr="A cartoon spider wearing glasses&#10;&#10;Description automatically generated">
+          <p:cNvPr id="4" name="Picture 3" descr="A cartoon spider wearing glasses&#10;&#10;Description automatically generated">
             <a:extLst>
               <a:ext uri="{FF2B5EF4-FFF2-40B4-BE49-F238E27FC236}">
-                <a16:creationId xmlns:a16="http://schemas.microsoft.com/office/drawing/2014/main" id="{83439CBF-B3B3-C37A-D196-7DCF72C7A149}"/>
+                <a16:creationId xmlns:a16="http://schemas.microsoft.com/office/drawing/2014/main" id="{DF93ED8D-30D1-B2E0-B281-B99D8BD44E06}"/>
               </a:ext>
             </a:extLst>
           </p:cNvPr>
@@ -8905,8 +8985,8 @@
         </p:blipFill>
         <p:spPr>
           <a:xfrm>
-            <a:off x="9778282" y="-156976"/>
-            <a:ext cx="2778891" cy="2778891"/>
+            <a:off x="9925362" y="-201914"/>
+            <a:ext cx="2577263" cy="2577263"/>
           </a:xfrm>
           <a:prstGeom prst="rect">
             <a:avLst/>
@@ -8923,6 +9003,18 @@
   <p:clrMapOvr>
     <a:masterClrMapping/>
   </p:clrMapOvr>
+  <mc:AlternateContent xmlns:mc="http://schemas.openxmlformats.org/markup-compatibility/2006">
+    <mc:Choice xmlns:p14="http://schemas.microsoft.com/office/powerpoint/2010/main" Requires="p14">
+      <p:transition spd="slow" p14:dur="1300">
+        <p14:pan dir="u"/>
+      </p:transition>
+    </mc:Choice>
+    <mc:Fallback>
+      <p:transition spd="slow">
+        <p:fade/>
+      </p:transition>
+    </mc:Fallback>
+  </mc:AlternateContent>
 </p:sld>
 </file>
 
@@ -8961,7 +9053,7 @@
         </p:nvSpPr>
         <p:spPr>
           <a:xfrm>
-            <a:off x="1705925" y="592024"/>
+            <a:off x="1608648" y="592024"/>
             <a:ext cx="9461803" cy="1280890"/>
           </a:xfrm>
         </p:spPr>
@@ -8972,10 +9064,10 @@
           <a:lstStyle/>
           <a:p>
             <a:r>
-              <a:rPr lang="sr-Cyrl-RS" sz="3200" dirty="0"/>
+              <a:rPr lang="sr-Cyrl-RS" sz="3400" dirty="0"/>
               <a:t>Фаза 2: Сценарио случајева употребе</a:t>
             </a:r>
-            <a:endParaRPr lang="en-US" sz="3200" dirty="0"/>
+            <a:endParaRPr lang="en-US" sz="3400" dirty="0"/>
           </a:p>
         </p:txBody>
       </p:sp>
@@ -8997,7 +9089,7 @@
         </p:nvSpPr>
         <p:spPr>
           <a:xfrm>
-            <a:off x="592704" y="1677711"/>
+            <a:off x="495427" y="1788090"/>
             <a:ext cx="11688244" cy="5389124"/>
           </a:xfrm>
         </p:spPr>
@@ -9175,10 +9267,10 @@
       </p:sp>
       <p:pic>
         <p:nvPicPr>
-          <p:cNvPr id="6" name="Picture 5" descr="A cartoon spider wearing glasses&#10;&#10;Description automatically generated">
+          <p:cNvPr id="4" name="Picture 3" descr="A cartoon spider wearing glasses&#10;&#10;Description automatically generated">
             <a:extLst>
               <a:ext uri="{FF2B5EF4-FFF2-40B4-BE49-F238E27FC236}">
-                <a16:creationId xmlns:a16="http://schemas.microsoft.com/office/drawing/2014/main" id="{83439CBF-B3B3-C37A-D196-7DCF72C7A149}"/>
+                <a16:creationId xmlns:a16="http://schemas.microsoft.com/office/drawing/2014/main" id="{8BF45BF0-DC40-71AD-0612-1B65D23E52B4}"/>
               </a:ext>
             </a:extLst>
           </p:cNvPr>
@@ -9210,8 +9302,8 @@
         </p:blipFill>
         <p:spPr>
           <a:xfrm>
-            <a:off x="9681006" y="-293163"/>
-            <a:ext cx="2778891" cy="2778891"/>
+            <a:off x="9925362" y="-201914"/>
+            <a:ext cx="2577263" cy="2577263"/>
           </a:xfrm>
           <a:prstGeom prst="rect">
             <a:avLst/>
@@ -9228,6 +9320,18 @@
   <p:clrMapOvr>
     <a:masterClrMapping/>
   </p:clrMapOvr>
+  <mc:AlternateContent xmlns:mc="http://schemas.openxmlformats.org/markup-compatibility/2006">
+    <mc:Choice xmlns:p14="http://schemas.microsoft.com/office/powerpoint/2010/main" Requires="p14">
+      <p:transition spd="slow" p14:dur="1300">
+        <p14:pan dir="u"/>
+      </p:transition>
+    </mc:Choice>
+    <mc:Fallback>
+      <p:transition spd="slow">
+        <p:fade/>
+      </p:transition>
+    </mc:Fallback>
+  </mc:AlternateContent>
 </p:sld>
 </file>
 
@@ -9266,7 +9370,7 @@
         </p:nvSpPr>
         <p:spPr>
           <a:xfrm>
-            <a:off x="1705925" y="592024"/>
+            <a:off x="1521098" y="594949"/>
             <a:ext cx="9461803" cy="1280890"/>
           </a:xfrm>
         </p:spPr>
@@ -9277,18 +9381,18 @@
           <a:lstStyle/>
           <a:p>
             <a:r>
-              <a:rPr lang="sr-Cyrl-RS" sz="3200" dirty="0"/>
+              <a:rPr lang="sr-Cyrl-RS" sz="3400" dirty="0"/>
               <a:t>Фаза 2: Прототип</a:t>
             </a:r>
             <a:r>
-              <a:rPr lang="en-US" sz="3200" dirty="0"/>
+              <a:rPr lang="en-US" sz="3400" dirty="0"/>
               <a:t> </a:t>
             </a:r>
             <a:r>
-              <a:rPr lang="sr-Cyrl-RS" sz="3200" dirty="0"/>
+              <a:rPr lang="sr-Cyrl-RS" sz="3400" dirty="0"/>
               <a:t>апликације</a:t>
             </a:r>
-            <a:endParaRPr lang="en-US" sz="3200" dirty="0"/>
+            <a:endParaRPr lang="en-US" sz="3400" dirty="0"/>
           </a:p>
         </p:txBody>
       </p:sp>
@@ -9355,51 +9459,6 @@
       </p:sp>
       <p:pic>
         <p:nvPicPr>
-          <p:cNvPr id="6" name="Picture 5" descr="A cartoon spider wearing glasses&#10;&#10;Description automatically generated">
-            <a:extLst>
-              <a:ext uri="{FF2B5EF4-FFF2-40B4-BE49-F238E27FC236}">
-                <a16:creationId xmlns:a16="http://schemas.microsoft.com/office/drawing/2014/main" id="{83439CBF-B3B3-C37A-D196-7DCF72C7A149}"/>
-              </a:ext>
-            </a:extLst>
-          </p:cNvPr>
-          <p:cNvPicPr>
-            <a:picLocks noChangeAspect="1"/>
-          </p:cNvPicPr>
-          <p:nvPr/>
-        </p:nvPicPr>
-        <p:blipFill>
-          <a:blip r:embed="rId2">
-            <a:extLst>
-              <a:ext uri="{BEBA8EAE-BF5A-486C-A8C5-ECC9F3942E4B}">
-                <a14:imgProps xmlns:a14="http://schemas.microsoft.com/office/drawing/2010/main">
-                  <a14:imgLayer r:embed="rId3">
-                    <a14:imgEffect>
-                      <a14:backgroundRemoval t="10000" b="90000" l="10000" r="90000"/>
-                    </a14:imgEffect>
-                  </a14:imgLayer>
-                </a14:imgProps>
-              </a:ext>
-              <a:ext uri="{28A0092B-C50C-407E-A947-70E740481C1C}">
-                <a14:useLocalDpi xmlns:a14="http://schemas.microsoft.com/office/drawing/2010/main" val="0"/>
-              </a:ext>
-            </a:extLst>
-          </a:blip>
-          <a:stretch>
-            <a:fillRect/>
-          </a:stretch>
-        </p:blipFill>
-        <p:spPr>
-          <a:xfrm>
-            <a:off x="9670681" y="-102977"/>
-            <a:ext cx="2778891" cy="2778891"/>
-          </a:xfrm>
-          <a:prstGeom prst="rect">
-            <a:avLst/>
-          </a:prstGeom>
-        </p:spPr>
-      </p:pic>
-      <p:pic>
-        <p:nvPicPr>
           <p:cNvPr id="5" name="Picture 4">
             <a:extLst>
               <a:ext uri="{FF2B5EF4-FFF2-40B4-BE49-F238E27FC236}">
@@ -9413,7 +9472,7 @@
           <p:nvPr/>
         </p:nvPicPr>
         <p:blipFill>
-          <a:blip r:embed="rId4"/>
+          <a:blip r:embed="rId2"/>
           <a:stretch>
             <a:fillRect/>
           </a:stretch>
@@ -9443,7 +9502,7 @@
           <p:nvPr/>
         </p:nvPicPr>
         <p:blipFill>
-          <a:blip r:embed="rId5"/>
+          <a:blip r:embed="rId3"/>
           <a:stretch>
             <a:fillRect/>
           </a:stretch>
@@ -9473,7 +9532,7 @@
           <p:nvPr/>
         </p:nvPicPr>
         <p:blipFill>
-          <a:blip r:embed="rId6"/>
+          <a:blip r:embed="rId4"/>
           <a:stretch>
             <a:fillRect/>
           </a:stretch>
@@ -9503,7 +9562,7 @@
           <p:nvPr/>
         </p:nvPicPr>
         <p:blipFill>
-          <a:blip r:embed="rId7"/>
+          <a:blip r:embed="rId5"/>
           <a:stretch>
             <a:fillRect/>
           </a:stretch>
@@ -9533,7 +9592,7 @@
           <p:nvPr/>
         </p:nvPicPr>
         <p:blipFill>
-          <a:blip r:embed="rId8"/>
+          <a:blip r:embed="rId6"/>
           <a:stretch>
             <a:fillRect/>
           </a:stretch>
@@ -9563,7 +9622,7 @@
           <p:nvPr/>
         </p:nvPicPr>
         <p:blipFill>
-          <a:blip r:embed="rId9"/>
+          <a:blip r:embed="rId7"/>
           <a:stretch>
             <a:fillRect/>
           </a:stretch>
@@ -9593,7 +9652,7 @@
           <p:nvPr/>
         </p:nvPicPr>
         <p:blipFill>
-          <a:blip r:embed="rId10"/>
+          <a:blip r:embed="rId8"/>
           <a:stretch>
             <a:fillRect/>
           </a:stretch>
@@ -9623,7 +9682,7 @@
           <p:nvPr/>
         </p:nvPicPr>
         <p:blipFill>
-          <a:blip r:embed="rId11"/>
+          <a:blip r:embed="rId9"/>
           <a:stretch>
             <a:fillRect/>
           </a:stretch>
@@ -9653,7 +9712,7 @@
           <p:nvPr/>
         </p:nvPicPr>
         <p:blipFill>
-          <a:blip r:embed="rId12"/>
+          <a:blip r:embed="rId10"/>
           <a:stretch>
             <a:fillRect/>
           </a:stretch>
@@ -9683,7 +9742,7 @@
           <p:nvPr/>
         </p:nvPicPr>
         <p:blipFill>
-          <a:blip r:embed="rId13"/>
+          <a:blip r:embed="rId11"/>
           <a:stretch>
             <a:fillRect/>
           </a:stretch>
@@ -9713,7 +9772,7 @@
           <p:nvPr/>
         </p:nvPicPr>
         <p:blipFill>
-          <a:blip r:embed="rId14"/>
+          <a:blip r:embed="rId12"/>
           <a:stretch>
             <a:fillRect/>
           </a:stretch>
@@ -9743,7 +9802,7 @@
           <p:nvPr/>
         </p:nvPicPr>
         <p:blipFill>
-          <a:blip r:embed="rId15"/>
+          <a:blip r:embed="rId13"/>
           <a:stretch>
             <a:fillRect/>
           </a:stretch>
@@ -9773,7 +9832,7 @@
           <p:nvPr/>
         </p:nvPicPr>
         <p:blipFill>
-          <a:blip r:embed="rId16"/>
+          <a:blip r:embed="rId14"/>
           <a:stretch>
             <a:fillRect/>
           </a:stretch>
@@ -9782,6 +9841,51 @@
           <a:xfrm>
             <a:off x="1080595" y="2071352"/>
             <a:ext cx="10342810" cy="2683719"/>
+          </a:xfrm>
+          <a:prstGeom prst="rect">
+            <a:avLst/>
+          </a:prstGeom>
+        </p:spPr>
+      </p:pic>
+      <p:pic>
+        <p:nvPicPr>
+          <p:cNvPr id="4" name="Picture 3" descr="A cartoon spider wearing glasses&#10;&#10;Description automatically generated">
+            <a:extLst>
+              <a:ext uri="{FF2B5EF4-FFF2-40B4-BE49-F238E27FC236}">
+                <a16:creationId xmlns:a16="http://schemas.microsoft.com/office/drawing/2014/main" id="{37AE2390-9D76-A4CD-B6C4-468F8A732BA5}"/>
+              </a:ext>
+            </a:extLst>
+          </p:cNvPr>
+          <p:cNvPicPr>
+            <a:picLocks noChangeAspect="1"/>
+          </p:cNvPicPr>
+          <p:nvPr/>
+        </p:nvPicPr>
+        <p:blipFill>
+          <a:blip r:embed="rId15">
+            <a:extLst>
+              <a:ext uri="{BEBA8EAE-BF5A-486C-A8C5-ECC9F3942E4B}">
+                <a14:imgProps xmlns:a14="http://schemas.microsoft.com/office/drawing/2010/main">
+                  <a14:imgLayer r:embed="rId16">
+                    <a14:imgEffect>
+                      <a14:backgroundRemoval t="10000" b="90000" l="10000" r="90000"/>
+                    </a14:imgEffect>
+                  </a14:imgLayer>
+                </a14:imgProps>
+              </a:ext>
+              <a:ext uri="{28A0092B-C50C-407E-A947-70E740481C1C}">
+                <a14:useLocalDpi xmlns:a14="http://schemas.microsoft.com/office/drawing/2010/main" val="0"/>
+              </a:ext>
+            </a:extLst>
+          </a:blip>
+          <a:stretch>
+            <a:fillRect/>
+          </a:stretch>
+        </p:blipFill>
+        <p:spPr>
+          <a:xfrm>
+            <a:off x="9925362" y="-201914"/>
+            <a:ext cx="2577263" cy="2577263"/>
           </a:xfrm>
           <a:prstGeom prst="rect">
             <a:avLst/>
@@ -9798,6 +9902,18 @@
   <p:clrMapOvr>
     <a:masterClrMapping/>
   </p:clrMapOvr>
+  <mc:AlternateContent xmlns:mc="http://schemas.openxmlformats.org/markup-compatibility/2006">
+    <mc:Choice xmlns:p14="http://schemas.microsoft.com/office/powerpoint/2010/main" Requires="p14">
+      <p:transition spd="slow" p14:dur="1300">
+        <p14:pan dir="u"/>
+      </p:transition>
+    </mc:Choice>
+    <mc:Fallback>
+      <p:transition spd="slow">
+        <p:fade/>
+      </p:transition>
+    </mc:Fallback>
+  </mc:AlternateContent>
   <p:timing>
     <p:tnLst>
       <p:par>
@@ -10879,7 +10995,7 @@
         </p:nvSpPr>
         <p:spPr>
           <a:xfrm>
-            <a:off x="1705925" y="592024"/>
+            <a:off x="1589192" y="592023"/>
             <a:ext cx="9461803" cy="1280890"/>
           </a:xfrm>
         </p:spPr>
@@ -10890,10 +11006,10 @@
           <a:lstStyle/>
           <a:p>
             <a:r>
-              <a:rPr lang="sr-Cyrl-RS" sz="3200" dirty="0"/>
+              <a:rPr lang="sr-Cyrl-RS" sz="3400" dirty="0"/>
               <a:t>Фаза 3: Формална инспекција</a:t>
             </a:r>
-            <a:endParaRPr lang="en-US" sz="3200" dirty="0"/>
+            <a:endParaRPr lang="en-US" sz="3400" dirty="0"/>
           </a:p>
         </p:txBody>
       </p:sp>
@@ -10915,7 +11031,7 @@
         </p:nvSpPr>
         <p:spPr>
           <a:xfrm>
-            <a:off x="1705925" y="2192869"/>
+            <a:off x="1589192" y="1960462"/>
             <a:ext cx="11111444" cy="4086435"/>
           </a:xfrm>
         </p:spPr>
@@ -10994,10 +11110,10 @@
       </p:sp>
       <p:pic>
         <p:nvPicPr>
-          <p:cNvPr id="6" name="Picture 5" descr="A cartoon spider wearing glasses&#10;&#10;Description automatically generated">
+          <p:cNvPr id="5" name="Picture 4" descr="A cartoon spider wearing glasses&#10;&#10;Description automatically generated">
             <a:extLst>
               <a:ext uri="{FF2B5EF4-FFF2-40B4-BE49-F238E27FC236}">
-                <a16:creationId xmlns:a16="http://schemas.microsoft.com/office/drawing/2014/main" id="{83439CBF-B3B3-C37A-D196-7DCF72C7A149}"/>
+                <a16:creationId xmlns:a16="http://schemas.microsoft.com/office/drawing/2014/main" id="{84238878-E8B0-3BE4-930A-FDD78B628C11}"/>
               </a:ext>
             </a:extLst>
           </p:cNvPr>
@@ -11029,8 +11145,8 @@
         </p:blipFill>
         <p:spPr>
           <a:xfrm>
-            <a:off x="9661550" y="-156977"/>
-            <a:ext cx="2778891" cy="2778891"/>
+            <a:off x="9925362" y="-201914"/>
+            <a:ext cx="2577263" cy="2577263"/>
           </a:xfrm>
           <a:prstGeom prst="rect">
             <a:avLst/>
@@ -11047,6 +11163,18 @@
   <p:clrMapOvr>
     <a:masterClrMapping/>
   </p:clrMapOvr>
+  <mc:AlternateContent xmlns:mc="http://schemas.openxmlformats.org/markup-compatibility/2006">
+    <mc:Choice xmlns:p14="http://schemas.microsoft.com/office/powerpoint/2010/main" Requires="p14">
+      <p:transition spd="slow" p14:dur="1300">
+        <p14:pan dir="u"/>
+      </p:transition>
+    </mc:Choice>
+    <mc:Fallback>
+      <p:transition spd="slow">
+        <p:fade/>
+      </p:transition>
+    </mc:Fallback>
+  </mc:AlternateContent>
 </p:sld>
 </file>
 
@@ -11121,7 +11249,7 @@
         </p:nvSpPr>
         <p:spPr>
           <a:xfrm>
-            <a:off x="1705925" y="2069432"/>
+            <a:off x="1705925" y="2011066"/>
             <a:ext cx="10429791" cy="3889917"/>
           </a:xfrm>
         </p:spPr>
@@ -11231,10 +11359,10 @@
       </p:sp>
       <p:pic>
         <p:nvPicPr>
-          <p:cNvPr id="6" name="Picture 5" descr="A cartoon spider wearing glasses&#10;&#10;Description automatically generated">
+          <p:cNvPr id="4" name="Picture 3" descr="A cartoon spider wearing glasses&#10;&#10;Description automatically generated">
             <a:extLst>
               <a:ext uri="{FF2B5EF4-FFF2-40B4-BE49-F238E27FC236}">
-                <a16:creationId xmlns:a16="http://schemas.microsoft.com/office/drawing/2014/main" id="{83439CBF-B3B3-C37A-D196-7DCF72C7A149}"/>
+                <a16:creationId xmlns:a16="http://schemas.microsoft.com/office/drawing/2014/main" id="{172EAA45-6FA9-30FD-E9BC-5D28D6BC82C2}"/>
               </a:ext>
             </a:extLst>
           </p:cNvPr>
@@ -11266,8 +11394,8 @@
         </p:blipFill>
         <p:spPr>
           <a:xfrm>
-            <a:off x="9778282" y="-156976"/>
-            <a:ext cx="2778891" cy="2778891"/>
+            <a:off x="9925362" y="-201914"/>
+            <a:ext cx="2577263" cy="2577263"/>
           </a:xfrm>
           <a:prstGeom prst="rect">
             <a:avLst/>
@@ -11284,6 +11412,18 @@
   <p:clrMapOvr>
     <a:masterClrMapping/>
   </p:clrMapOvr>
+  <mc:AlternateContent xmlns:mc="http://schemas.openxmlformats.org/markup-compatibility/2006">
+    <mc:Choice xmlns:p14="http://schemas.microsoft.com/office/powerpoint/2010/main" Requires="p14">
+      <p:transition spd="slow" p14:dur="1300">
+        <p14:pan dir="u"/>
+      </p:transition>
+    </mc:Choice>
+    <mc:Fallback>
+      <p:transition spd="slow">
+        <p:fade/>
+      </p:transition>
+    </mc:Fallback>
+  </mc:AlternateContent>
 </p:sld>
 </file>
 
@@ -11366,7 +11506,7 @@
         </p:nvSpPr>
         <p:spPr>
           <a:xfrm>
-            <a:off x="1705925" y="2069432"/>
+            <a:off x="784202" y="1484041"/>
             <a:ext cx="10429791" cy="3889917"/>
           </a:xfrm>
         </p:spPr>
@@ -11376,25 +11516,106 @@
           </a:bodyPr>
           <a:lstStyle/>
           <a:p>
+            <a:pPr marL="457200" lvl="1" indent="0">
+              <a:buNone/>
+            </a:pPr>
+            <a:endParaRPr lang="sr-Cyrl-RS" sz="2000" dirty="0"/>
+          </a:p>
+          <a:p>
             <a:pPr lvl="1"/>
-            <a:endParaRPr lang="sr-Cyrl-RS" sz="2000" dirty="0"/>
+            <a:r>
+              <a:rPr lang="sr-Cyrl-RS" sz="2000" dirty="0"/>
+              <a:t>Коришћене библиотеке у изради апликације: </a:t>
+            </a:r>
+            <a:r>
+              <a:rPr lang="en-US" sz="2000" dirty="0"/>
+              <a:t>channels, daphne, </a:t>
+            </a:r>
+            <a:r>
+              <a:rPr lang="en-US" sz="2000" dirty="0" err="1"/>
+              <a:t>django</a:t>
+            </a:r>
+            <a:r>
+              <a:rPr lang="en-US" sz="2000" dirty="0"/>
+              <a:t>, </a:t>
+            </a:r>
+            <a:r>
+              <a:rPr lang="en-US" sz="2000" dirty="0" err="1"/>
+              <a:t>django</a:t>
+            </a:r>
+            <a:r>
+              <a:rPr lang="en-US" sz="2000" dirty="0"/>
+              <a:t>-extensions,  </a:t>
+            </a:r>
+            <a:r>
+              <a:rPr lang="en-US" sz="2000" dirty="0" err="1"/>
+              <a:t>docutils</a:t>
+            </a:r>
+            <a:r>
+              <a:rPr lang="en-US" sz="2000" dirty="0"/>
+              <a:t>, </a:t>
+            </a:r>
+            <a:r>
+              <a:rPr lang="en-US" sz="2000" dirty="0" err="1"/>
+              <a:t>mysqlclient</a:t>
+            </a:r>
+            <a:r>
+              <a:rPr lang="en-US" sz="2000" dirty="0"/>
+              <a:t>, </a:t>
+            </a:r>
+            <a:r>
+              <a:rPr lang="en-US" sz="2000" dirty="0" err="1"/>
+              <a:t>pydot</a:t>
+            </a:r>
+            <a:endParaRPr lang="en-US" sz="2000" dirty="0"/>
           </a:p>
           <a:p>
             <a:pPr lvl="1"/>
-            <a:endParaRPr lang="sr-Cyrl-RS" sz="2000" dirty="0"/>
+            <a:r>
+              <a:rPr lang="sr-Cyrl-RS" sz="2000" dirty="0"/>
+              <a:t>Развојне технологијеу изради апликације: </a:t>
+            </a:r>
+            <a:r>
+              <a:rPr lang="en-US" sz="2000" dirty="0"/>
+              <a:t>Python, SQL, UML</a:t>
+            </a:r>
           </a:p>
           <a:p>
             <a:pPr lvl="1"/>
+            <a:r>
+              <a:rPr lang="sr-Cyrl-RS" sz="2000" dirty="0"/>
+              <a:t>Коришћени алати у изради апликације: </a:t>
+            </a:r>
+            <a:r>
+              <a:rPr lang="en-US" sz="2000" dirty="0" err="1"/>
+              <a:t>Pycharm</a:t>
+            </a:r>
+            <a:r>
+              <a:rPr lang="en-US" sz="2000" dirty="0"/>
+              <a:t>, </a:t>
+            </a:r>
+            <a:r>
+              <a:rPr lang="en-US" sz="2000" dirty="0" err="1"/>
+              <a:t>StarUML</a:t>
+            </a:r>
+            <a:r>
+              <a:rPr lang="en-US" sz="2000" dirty="0"/>
+              <a:t>, MySQL, </a:t>
+            </a:r>
+            <a:r>
+              <a:rPr lang="en-US" sz="2000" dirty="0" err="1"/>
+              <a:t>MicrosoftOffice</a:t>
+            </a:r>
             <a:endParaRPr lang="en-US" sz="2000" dirty="0"/>
           </a:p>
         </p:txBody>
       </p:sp>
       <p:pic>
         <p:nvPicPr>
-          <p:cNvPr id="6" name="Picture 5" descr="A cartoon spider wearing glasses&#10;&#10;Description automatically generated">
+          <p:cNvPr id="5" name="Picture 4" descr="A cartoon spider wearing glasses&#10;&#10;Description automatically generated">
             <a:extLst>
               <a:ext uri="{FF2B5EF4-FFF2-40B4-BE49-F238E27FC236}">
-                <a16:creationId xmlns:a16="http://schemas.microsoft.com/office/drawing/2014/main" id="{83439CBF-B3B3-C37A-D196-7DCF72C7A149}"/>
+                <a16:creationId xmlns:a16="http://schemas.microsoft.com/office/drawing/2014/main" id="{C515D69F-5EC6-CCA0-9C34-E020F0B04E3C}"/>
               </a:ext>
             </a:extLst>
           </p:cNvPr>
@@ -11426,8 +11647,368 @@
         </p:blipFill>
         <p:spPr>
           <a:xfrm>
-            <a:off x="9778282" y="-156976"/>
-            <a:ext cx="2778891" cy="2778891"/>
+            <a:off x="9925362" y="-201914"/>
+            <a:ext cx="2577263" cy="2577263"/>
+          </a:xfrm>
+          <a:prstGeom prst="rect">
+            <a:avLst/>
+          </a:prstGeom>
+        </p:spPr>
+      </p:pic>
+      <p:pic>
+        <p:nvPicPr>
+          <p:cNvPr id="8" name="Picture 7">
+            <a:extLst>
+              <a:ext uri="{FF2B5EF4-FFF2-40B4-BE49-F238E27FC236}">
+                <a16:creationId xmlns:a16="http://schemas.microsoft.com/office/drawing/2014/main" id="{EF4E9EB0-2F22-E3EF-E6D2-6ABCD03499B2}"/>
+              </a:ext>
+            </a:extLst>
+          </p:cNvPr>
+          <p:cNvPicPr>
+            <a:picLocks noChangeAspect="1"/>
+          </p:cNvPicPr>
+          <p:nvPr/>
+        </p:nvPicPr>
+        <p:blipFill>
+          <a:blip r:embed="rId4"/>
+          <a:stretch>
+            <a:fillRect/>
+          </a:stretch>
+        </p:blipFill>
+        <p:spPr>
+          <a:xfrm>
+            <a:off x="1793981" y="1447323"/>
+            <a:ext cx="8410231" cy="4818653"/>
+          </a:xfrm>
+          <a:prstGeom prst="rect">
+            <a:avLst/>
+          </a:prstGeom>
+        </p:spPr>
+      </p:pic>
+      <p:pic>
+        <p:nvPicPr>
+          <p:cNvPr id="10" name="Picture 9">
+            <a:extLst>
+              <a:ext uri="{FF2B5EF4-FFF2-40B4-BE49-F238E27FC236}">
+                <a16:creationId xmlns:a16="http://schemas.microsoft.com/office/drawing/2014/main" id="{345CFFC1-4105-6239-F5E0-E7C19C41525C}"/>
+              </a:ext>
+            </a:extLst>
+          </p:cNvPr>
+          <p:cNvPicPr>
+            <a:picLocks noChangeAspect="1"/>
+          </p:cNvPicPr>
+          <p:nvPr/>
+        </p:nvPicPr>
+        <p:blipFill>
+          <a:blip r:embed="rId5"/>
+          <a:stretch>
+            <a:fillRect/>
+          </a:stretch>
+        </p:blipFill>
+        <p:spPr>
+          <a:xfrm>
+            <a:off x="2209266" y="1422172"/>
+            <a:ext cx="7567794" cy="4402528"/>
+          </a:xfrm>
+          <a:prstGeom prst="rect">
+            <a:avLst/>
+          </a:prstGeom>
+        </p:spPr>
+      </p:pic>
+      <p:pic>
+        <p:nvPicPr>
+          <p:cNvPr id="14" name="Picture 13">
+            <a:extLst>
+              <a:ext uri="{FF2B5EF4-FFF2-40B4-BE49-F238E27FC236}">
+                <a16:creationId xmlns:a16="http://schemas.microsoft.com/office/drawing/2014/main" id="{43EBC41A-F676-3C32-FF38-FFAA1937CAE9}"/>
+              </a:ext>
+            </a:extLst>
+          </p:cNvPr>
+          <p:cNvPicPr>
+            <a:picLocks noChangeAspect="1"/>
+          </p:cNvPicPr>
+          <p:nvPr/>
+        </p:nvPicPr>
+        <p:blipFill>
+          <a:blip r:embed="rId6"/>
+          <a:stretch>
+            <a:fillRect/>
+          </a:stretch>
+        </p:blipFill>
+        <p:spPr>
+          <a:xfrm>
+            <a:off x="2776857" y="1422172"/>
+            <a:ext cx="6172688" cy="5350546"/>
+          </a:xfrm>
+          <a:prstGeom prst="rect">
+            <a:avLst/>
+          </a:prstGeom>
+        </p:spPr>
+      </p:pic>
+      <p:pic>
+        <p:nvPicPr>
+          <p:cNvPr id="15" name="Picture 14">
+            <a:extLst>
+              <a:ext uri="{FF2B5EF4-FFF2-40B4-BE49-F238E27FC236}">
+                <a16:creationId xmlns:a16="http://schemas.microsoft.com/office/drawing/2014/main" id="{863CEF34-93BF-38F1-430F-DBC1D1F29415}"/>
+              </a:ext>
+            </a:extLst>
+          </p:cNvPr>
+          <p:cNvPicPr>
+            <a:picLocks noChangeAspect="1"/>
+          </p:cNvPicPr>
+          <p:nvPr/>
+        </p:nvPicPr>
+        <p:blipFill>
+          <a:blip r:embed="rId7"/>
+          <a:stretch>
+            <a:fillRect/>
+          </a:stretch>
+        </p:blipFill>
+        <p:spPr>
+          <a:xfrm>
+            <a:off x="966652" y="1446491"/>
+            <a:ext cx="9237560" cy="4045414"/>
+          </a:xfrm>
+          <a:prstGeom prst="rect">
+            <a:avLst/>
+          </a:prstGeom>
+        </p:spPr>
+      </p:pic>
+      <p:pic>
+        <p:nvPicPr>
+          <p:cNvPr id="17" name="Picture 16">
+            <a:extLst>
+              <a:ext uri="{FF2B5EF4-FFF2-40B4-BE49-F238E27FC236}">
+                <a16:creationId xmlns:a16="http://schemas.microsoft.com/office/drawing/2014/main" id="{E0BA0A01-1728-EB1C-13EA-65A719F072C4}"/>
+              </a:ext>
+            </a:extLst>
+          </p:cNvPr>
+          <p:cNvPicPr>
+            <a:picLocks noChangeAspect="1"/>
+          </p:cNvPicPr>
+          <p:nvPr/>
+        </p:nvPicPr>
+        <p:blipFill>
+          <a:blip r:embed="rId8"/>
+          <a:stretch>
+            <a:fillRect/>
+          </a:stretch>
+        </p:blipFill>
+        <p:spPr>
+          <a:xfrm>
+            <a:off x="1266783" y="2069623"/>
+            <a:ext cx="9581745" cy="3983361"/>
+          </a:xfrm>
+          <a:prstGeom prst="rect">
+            <a:avLst/>
+          </a:prstGeom>
+        </p:spPr>
+      </p:pic>
+      <p:pic>
+        <p:nvPicPr>
+          <p:cNvPr id="19" name="Picture 18">
+            <a:extLst>
+              <a:ext uri="{FF2B5EF4-FFF2-40B4-BE49-F238E27FC236}">
+                <a16:creationId xmlns:a16="http://schemas.microsoft.com/office/drawing/2014/main" id="{864CDD85-D2D3-45F3-5A26-65A3F73FE55A}"/>
+              </a:ext>
+            </a:extLst>
+          </p:cNvPr>
+          <p:cNvPicPr>
+            <a:picLocks noChangeAspect="1"/>
+          </p:cNvPicPr>
+          <p:nvPr/>
+        </p:nvPicPr>
+        <p:blipFill>
+          <a:blip r:embed="rId9"/>
+          <a:stretch>
+            <a:fillRect/>
+          </a:stretch>
+        </p:blipFill>
+        <p:spPr>
+          <a:xfrm>
+            <a:off x="1011970" y="1422172"/>
+            <a:ext cx="9632426" cy="3889917"/>
+          </a:xfrm>
+          <a:prstGeom prst="rect">
+            <a:avLst/>
+          </a:prstGeom>
+        </p:spPr>
+      </p:pic>
+      <p:pic>
+        <p:nvPicPr>
+          <p:cNvPr id="21" name="Picture 20">
+            <a:extLst>
+              <a:ext uri="{FF2B5EF4-FFF2-40B4-BE49-F238E27FC236}">
+                <a16:creationId xmlns:a16="http://schemas.microsoft.com/office/drawing/2014/main" id="{ED8AB84F-2D7C-9E69-4C62-FF49EA45101A}"/>
+              </a:ext>
+            </a:extLst>
+          </p:cNvPr>
+          <p:cNvPicPr>
+            <a:picLocks noChangeAspect="1"/>
+          </p:cNvPicPr>
+          <p:nvPr/>
+        </p:nvPicPr>
+        <p:blipFill>
+          <a:blip r:embed="rId10"/>
+          <a:stretch>
+            <a:fillRect/>
+          </a:stretch>
+        </p:blipFill>
+        <p:spPr>
+          <a:xfrm>
+            <a:off x="782011" y="2021498"/>
+            <a:ext cx="10398019" cy="4281196"/>
+          </a:xfrm>
+          <a:prstGeom prst="rect">
+            <a:avLst/>
+          </a:prstGeom>
+        </p:spPr>
+      </p:pic>
+      <p:pic>
+        <p:nvPicPr>
+          <p:cNvPr id="23" name="Picture 22">
+            <a:extLst>
+              <a:ext uri="{FF2B5EF4-FFF2-40B4-BE49-F238E27FC236}">
+                <a16:creationId xmlns:a16="http://schemas.microsoft.com/office/drawing/2014/main" id="{55BCD31E-75D4-947C-ABB5-F17303B6E463}"/>
+              </a:ext>
+            </a:extLst>
+          </p:cNvPr>
+          <p:cNvPicPr>
+            <a:picLocks noChangeAspect="1"/>
+          </p:cNvPicPr>
+          <p:nvPr/>
+        </p:nvPicPr>
+        <p:blipFill>
+          <a:blip r:embed="rId11"/>
+          <a:stretch>
+            <a:fillRect/>
+          </a:stretch>
+        </p:blipFill>
+        <p:spPr>
+          <a:xfrm>
+            <a:off x="978007" y="2026648"/>
+            <a:ext cx="10104428" cy="3590112"/>
+          </a:xfrm>
+          <a:prstGeom prst="rect">
+            <a:avLst/>
+          </a:prstGeom>
+        </p:spPr>
+      </p:pic>
+      <p:pic>
+        <p:nvPicPr>
+          <p:cNvPr id="27" name="Picture 26">
+            <a:extLst>
+              <a:ext uri="{FF2B5EF4-FFF2-40B4-BE49-F238E27FC236}">
+                <a16:creationId xmlns:a16="http://schemas.microsoft.com/office/drawing/2014/main" id="{E19AF85E-FFDA-9C48-98F2-D18276CF5408}"/>
+              </a:ext>
+            </a:extLst>
+          </p:cNvPr>
+          <p:cNvPicPr>
+            <a:picLocks noChangeAspect="1"/>
+          </p:cNvPicPr>
+          <p:nvPr/>
+        </p:nvPicPr>
+        <p:blipFill>
+          <a:blip r:embed="rId12"/>
+          <a:stretch>
+            <a:fillRect/>
+          </a:stretch>
+        </p:blipFill>
+        <p:spPr>
+          <a:xfrm>
+            <a:off x="2887140" y="1422172"/>
+            <a:ext cx="5749590" cy="5312913"/>
+          </a:xfrm>
+          <a:prstGeom prst="rect">
+            <a:avLst/>
+          </a:prstGeom>
+        </p:spPr>
+      </p:pic>
+      <p:pic>
+        <p:nvPicPr>
+          <p:cNvPr id="29" name="Picture 28">
+            <a:extLst>
+              <a:ext uri="{FF2B5EF4-FFF2-40B4-BE49-F238E27FC236}">
+                <a16:creationId xmlns:a16="http://schemas.microsoft.com/office/drawing/2014/main" id="{4574D72F-2374-E538-F2F4-1492A0DAC416}"/>
+              </a:ext>
+            </a:extLst>
+          </p:cNvPr>
+          <p:cNvPicPr>
+            <a:picLocks noChangeAspect="1"/>
+          </p:cNvPicPr>
+          <p:nvPr/>
+        </p:nvPicPr>
+        <p:blipFill>
+          <a:blip r:embed="rId13"/>
+          <a:stretch>
+            <a:fillRect/>
+          </a:stretch>
+        </p:blipFill>
+        <p:spPr>
+          <a:xfrm>
+            <a:off x="3201891" y="1386030"/>
+            <a:ext cx="5508990" cy="5350546"/>
+          </a:xfrm>
+          <a:prstGeom prst="rect">
+            <a:avLst/>
+          </a:prstGeom>
+        </p:spPr>
+      </p:pic>
+      <p:pic>
+        <p:nvPicPr>
+          <p:cNvPr id="31" name="Picture 30">
+            <a:extLst>
+              <a:ext uri="{FF2B5EF4-FFF2-40B4-BE49-F238E27FC236}">
+                <a16:creationId xmlns:a16="http://schemas.microsoft.com/office/drawing/2014/main" id="{A5AE95DA-0A68-688B-27A0-8624D5974A81}"/>
+              </a:ext>
+            </a:extLst>
+          </p:cNvPr>
+          <p:cNvPicPr>
+            <a:picLocks noChangeAspect="1"/>
+          </p:cNvPicPr>
+          <p:nvPr/>
+        </p:nvPicPr>
+        <p:blipFill>
+          <a:blip r:embed="rId14"/>
+          <a:stretch>
+            <a:fillRect/>
+          </a:stretch>
+        </p:blipFill>
+        <p:spPr>
+          <a:xfrm>
+            <a:off x="1582370" y="1965781"/>
+            <a:ext cx="9281046" cy="4127816"/>
+          </a:xfrm>
+          <a:prstGeom prst="rect">
+            <a:avLst/>
+          </a:prstGeom>
+        </p:spPr>
+      </p:pic>
+      <p:pic>
+        <p:nvPicPr>
+          <p:cNvPr id="33" name="Picture 32">
+            <a:extLst>
+              <a:ext uri="{FF2B5EF4-FFF2-40B4-BE49-F238E27FC236}">
+                <a16:creationId xmlns:a16="http://schemas.microsoft.com/office/drawing/2014/main" id="{634F91AE-B5F5-F494-7BC1-EF7B5EFAF3D2}"/>
+              </a:ext>
+            </a:extLst>
+          </p:cNvPr>
+          <p:cNvPicPr>
+            <a:picLocks noChangeAspect="1"/>
+          </p:cNvPicPr>
+          <p:nvPr/>
+        </p:nvPicPr>
+        <p:blipFill>
+          <a:blip r:embed="rId15"/>
+          <a:stretch>
+            <a:fillRect/>
+          </a:stretch>
+        </p:blipFill>
+        <p:spPr>
+          <a:xfrm>
+            <a:off x="1449046" y="1833313"/>
+            <a:ext cx="9304860" cy="4370793"/>
           </a:xfrm>
           <a:prstGeom prst="rect">
             <a:avLst/>
@@ -11444,6 +12025,1262 @@
   <p:clrMapOvr>
     <a:masterClrMapping/>
   </p:clrMapOvr>
+  <mc:AlternateContent xmlns:mc="http://schemas.openxmlformats.org/markup-compatibility/2006">
+    <mc:Choice xmlns:p14="http://schemas.microsoft.com/office/powerpoint/2010/main" Requires="p14">
+      <p:transition spd="slow" p14:dur="1300">
+        <p14:pan dir="u"/>
+      </p:transition>
+    </mc:Choice>
+    <mc:Fallback>
+      <p:transition spd="slow">
+        <p:fade/>
+      </p:transition>
+    </mc:Fallback>
+  </mc:AlternateContent>
+  <p:timing>
+    <p:tnLst>
+      <p:par>
+        <p:cTn id="1" dur="indefinite" restart="never" nodeType="tmRoot">
+          <p:childTnLst>
+            <p:seq concurrent="1" nextAc="seek">
+              <p:cTn id="2" dur="indefinite" nodeType="mainSeq">
+                <p:childTnLst>
+                  <p:par>
+                    <p:cTn id="3" fill="hold">
+                      <p:stCondLst>
+                        <p:cond delay="indefinite"/>
+                      </p:stCondLst>
+                      <p:childTnLst>
+                        <p:par>
+                          <p:cTn id="4" fill="hold">
+                            <p:stCondLst>
+                              <p:cond delay="0"/>
+                            </p:stCondLst>
+                            <p:childTnLst>
+                              <p:par>
+                                <p:cTn id="5" presetID="10" presetClass="entr" presetSubtype="0" fill="hold" grpId="0" nodeType="clickEffect">
+                                  <p:stCondLst>
+                                    <p:cond delay="0"/>
+                                  </p:stCondLst>
+                                  <p:childTnLst>
+                                    <p:set>
+                                      <p:cBhvr>
+                                        <p:cTn id="6" dur="1" fill="hold">
+                                          <p:stCondLst>
+                                            <p:cond delay="0"/>
+                                          </p:stCondLst>
+                                        </p:cTn>
+                                        <p:tgtEl>
+                                          <p:spTgt spid="3">
+                                            <p:txEl>
+                                              <p:pRg st="1" end="1"/>
+                                            </p:txEl>
+                                          </p:spTgt>
+                                        </p:tgtEl>
+                                        <p:attrNameLst>
+                                          <p:attrName>style.visibility</p:attrName>
+                                        </p:attrNameLst>
+                                      </p:cBhvr>
+                                      <p:to>
+                                        <p:strVal val="visible"/>
+                                      </p:to>
+                                    </p:set>
+                                    <p:animEffect transition="in" filter="fade">
+                                      <p:cBhvr>
+                                        <p:cTn id="7" dur="500"/>
+                                        <p:tgtEl>
+                                          <p:spTgt spid="3">
+                                            <p:txEl>
+                                              <p:pRg st="1" end="1"/>
+                                            </p:txEl>
+                                          </p:spTgt>
+                                        </p:tgtEl>
+                                      </p:cBhvr>
+                                    </p:animEffect>
+                                  </p:childTnLst>
+                                </p:cTn>
+                              </p:par>
+                              <p:par>
+                                <p:cTn id="8" presetID="10" presetClass="entr" presetSubtype="0" fill="hold" grpId="0" nodeType="withEffect">
+                                  <p:stCondLst>
+                                    <p:cond delay="0"/>
+                                  </p:stCondLst>
+                                  <p:childTnLst>
+                                    <p:set>
+                                      <p:cBhvr>
+                                        <p:cTn id="9" dur="1" fill="hold">
+                                          <p:stCondLst>
+                                            <p:cond delay="0"/>
+                                          </p:stCondLst>
+                                        </p:cTn>
+                                        <p:tgtEl>
+                                          <p:spTgt spid="3">
+                                            <p:txEl>
+                                              <p:pRg st="2" end="2"/>
+                                            </p:txEl>
+                                          </p:spTgt>
+                                        </p:tgtEl>
+                                        <p:attrNameLst>
+                                          <p:attrName>style.visibility</p:attrName>
+                                        </p:attrNameLst>
+                                      </p:cBhvr>
+                                      <p:to>
+                                        <p:strVal val="visible"/>
+                                      </p:to>
+                                    </p:set>
+                                    <p:animEffect transition="in" filter="fade">
+                                      <p:cBhvr>
+                                        <p:cTn id="10" dur="500"/>
+                                        <p:tgtEl>
+                                          <p:spTgt spid="3">
+                                            <p:txEl>
+                                              <p:pRg st="2" end="2"/>
+                                            </p:txEl>
+                                          </p:spTgt>
+                                        </p:tgtEl>
+                                      </p:cBhvr>
+                                    </p:animEffect>
+                                  </p:childTnLst>
+                                </p:cTn>
+                              </p:par>
+                              <p:par>
+                                <p:cTn id="11" presetID="10" presetClass="entr" presetSubtype="0" fill="hold" grpId="0" nodeType="withEffect">
+                                  <p:stCondLst>
+                                    <p:cond delay="0"/>
+                                  </p:stCondLst>
+                                  <p:childTnLst>
+                                    <p:set>
+                                      <p:cBhvr>
+                                        <p:cTn id="12" dur="1" fill="hold">
+                                          <p:stCondLst>
+                                            <p:cond delay="0"/>
+                                          </p:stCondLst>
+                                        </p:cTn>
+                                        <p:tgtEl>
+                                          <p:spTgt spid="3">
+                                            <p:txEl>
+                                              <p:pRg st="3" end="3"/>
+                                            </p:txEl>
+                                          </p:spTgt>
+                                        </p:tgtEl>
+                                        <p:attrNameLst>
+                                          <p:attrName>style.visibility</p:attrName>
+                                        </p:attrNameLst>
+                                      </p:cBhvr>
+                                      <p:to>
+                                        <p:strVal val="visible"/>
+                                      </p:to>
+                                    </p:set>
+                                    <p:animEffect transition="in" filter="fade">
+                                      <p:cBhvr>
+                                        <p:cTn id="13" dur="500"/>
+                                        <p:tgtEl>
+                                          <p:spTgt spid="3">
+                                            <p:txEl>
+                                              <p:pRg st="3" end="3"/>
+                                            </p:txEl>
+                                          </p:spTgt>
+                                        </p:tgtEl>
+                                      </p:cBhvr>
+                                    </p:animEffect>
+                                  </p:childTnLst>
+                                </p:cTn>
+                              </p:par>
+                            </p:childTnLst>
+                          </p:cTn>
+                        </p:par>
+                      </p:childTnLst>
+                    </p:cTn>
+                  </p:par>
+                  <p:par>
+                    <p:cTn id="14" fill="hold">
+                      <p:stCondLst>
+                        <p:cond delay="indefinite"/>
+                      </p:stCondLst>
+                      <p:childTnLst>
+                        <p:par>
+                          <p:cTn id="15" fill="hold">
+                            <p:stCondLst>
+                              <p:cond delay="0"/>
+                            </p:stCondLst>
+                            <p:childTnLst>
+                              <p:par>
+                                <p:cTn id="16" presetID="1" presetClass="exit" presetSubtype="0" fill="hold" grpId="1" nodeType="clickEffect">
+                                  <p:stCondLst>
+                                    <p:cond delay="0"/>
+                                  </p:stCondLst>
+                                  <p:childTnLst>
+                                    <p:set>
+                                      <p:cBhvr>
+                                        <p:cTn id="17" dur="1" fill="hold">
+                                          <p:stCondLst>
+                                            <p:cond delay="0"/>
+                                          </p:stCondLst>
+                                        </p:cTn>
+                                        <p:tgtEl>
+                                          <p:spTgt spid="3">
+                                            <p:txEl>
+                                              <p:pRg st="1" end="1"/>
+                                            </p:txEl>
+                                          </p:spTgt>
+                                        </p:tgtEl>
+                                        <p:attrNameLst>
+                                          <p:attrName>style.visibility</p:attrName>
+                                        </p:attrNameLst>
+                                      </p:cBhvr>
+                                      <p:to>
+                                        <p:strVal val="hidden"/>
+                                      </p:to>
+                                    </p:set>
+                                  </p:childTnLst>
+                                </p:cTn>
+                              </p:par>
+                              <p:par>
+                                <p:cTn id="18" presetID="1" presetClass="exit" presetSubtype="0" fill="hold" grpId="1" nodeType="withEffect">
+                                  <p:stCondLst>
+                                    <p:cond delay="0"/>
+                                  </p:stCondLst>
+                                  <p:childTnLst>
+                                    <p:set>
+                                      <p:cBhvr>
+                                        <p:cTn id="19" dur="1" fill="hold">
+                                          <p:stCondLst>
+                                            <p:cond delay="0"/>
+                                          </p:stCondLst>
+                                        </p:cTn>
+                                        <p:tgtEl>
+                                          <p:spTgt spid="3">
+                                            <p:txEl>
+                                              <p:pRg st="2" end="2"/>
+                                            </p:txEl>
+                                          </p:spTgt>
+                                        </p:tgtEl>
+                                        <p:attrNameLst>
+                                          <p:attrName>style.visibility</p:attrName>
+                                        </p:attrNameLst>
+                                      </p:cBhvr>
+                                      <p:to>
+                                        <p:strVal val="hidden"/>
+                                      </p:to>
+                                    </p:set>
+                                  </p:childTnLst>
+                                </p:cTn>
+                              </p:par>
+                              <p:par>
+                                <p:cTn id="20" presetID="1" presetClass="exit" presetSubtype="0" fill="hold" grpId="1" nodeType="withEffect">
+                                  <p:stCondLst>
+                                    <p:cond delay="0"/>
+                                  </p:stCondLst>
+                                  <p:childTnLst>
+                                    <p:set>
+                                      <p:cBhvr>
+                                        <p:cTn id="21" dur="1" fill="hold">
+                                          <p:stCondLst>
+                                            <p:cond delay="0"/>
+                                          </p:stCondLst>
+                                        </p:cTn>
+                                        <p:tgtEl>
+                                          <p:spTgt spid="3">
+                                            <p:txEl>
+                                              <p:pRg st="3" end="3"/>
+                                            </p:txEl>
+                                          </p:spTgt>
+                                        </p:tgtEl>
+                                        <p:attrNameLst>
+                                          <p:attrName>style.visibility</p:attrName>
+                                        </p:attrNameLst>
+                                      </p:cBhvr>
+                                      <p:to>
+                                        <p:strVal val="hidden"/>
+                                      </p:to>
+                                    </p:set>
+                                  </p:childTnLst>
+                                </p:cTn>
+                              </p:par>
+                              <p:par>
+                                <p:cTn id="22" presetID="10" presetClass="entr" presetSubtype="0" fill="hold" nodeType="withEffect">
+                                  <p:stCondLst>
+                                    <p:cond delay="0"/>
+                                  </p:stCondLst>
+                                  <p:childTnLst>
+                                    <p:set>
+                                      <p:cBhvr>
+                                        <p:cTn id="23" dur="1" fill="hold">
+                                          <p:stCondLst>
+                                            <p:cond delay="0"/>
+                                          </p:stCondLst>
+                                        </p:cTn>
+                                        <p:tgtEl>
+                                          <p:spTgt spid="8"/>
+                                        </p:tgtEl>
+                                        <p:attrNameLst>
+                                          <p:attrName>style.visibility</p:attrName>
+                                        </p:attrNameLst>
+                                      </p:cBhvr>
+                                      <p:to>
+                                        <p:strVal val="visible"/>
+                                      </p:to>
+                                    </p:set>
+                                    <p:animEffect transition="in" filter="fade">
+                                      <p:cBhvr>
+                                        <p:cTn id="24" dur="500"/>
+                                        <p:tgtEl>
+                                          <p:spTgt spid="8"/>
+                                        </p:tgtEl>
+                                      </p:cBhvr>
+                                    </p:animEffect>
+                                  </p:childTnLst>
+                                </p:cTn>
+                              </p:par>
+                            </p:childTnLst>
+                          </p:cTn>
+                        </p:par>
+                      </p:childTnLst>
+                    </p:cTn>
+                  </p:par>
+                  <p:par>
+                    <p:cTn id="25" fill="hold">
+                      <p:stCondLst>
+                        <p:cond delay="indefinite"/>
+                      </p:stCondLst>
+                      <p:childTnLst>
+                        <p:par>
+                          <p:cTn id="26" fill="hold">
+                            <p:stCondLst>
+                              <p:cond delay="0"/>
+                            </p:stCondLst>
+                            <p:childTnLst>
+                              <p:par>
+                                <p:cTn id="27" presetID="1" presetClass="exit" presetSubtype="0" fill="hold" nodeType="clickEffect">
+                                  <p:stCondLst>
+                                    <p:cond delay="0"/>
+                                  </p:stCondLst>
+                                  <p:childTnLst>
+                                    <p:set>
+                                      <p:cBhvr>
+                                        <p:cTn id="28" dur="1" fill="hold">
+                                          <p:stCondLst>
+                                            <p:cond delay="0"/>
+                                          </p:stCondLst>
+                                        </p:cTn>
+                                        <p:tgtEl>
+                                          <p:spTgt spid="8"/>
+                                        </p:tgtEl>
+                                        <p:attrNameLst>
+                                          <p:attrName>style.visibility</p:attrName>
+                                        </p:attrNameLst>
+                                      </p:cBhvr>
+                                      <p:to>
+                                        <p:strVal val="hidden"/>
+                                      </p:to>
+                                    </p:set>
+                                  </p:childTnLst>
+                                </p:cTn>
+                              </p:par>
+                              <p:par>
+                                <p:cTn id="29" presetID="10" presetClass="entr" presetSubtype="0" fill="hold" nodeType="withEffect">
+                                  <p:stCondLst>
+                                    <p:cond delay="0"/>
+                                  </p:stCondLst>
+                                  <p:childTnLst>
+                                    <p:set>
+                                      <p:cBhvr>
+                                        <p:cTn id="30" dur="1" fill="hold">
+                                          <p:stCondLst>
+                                            <p:cond delay="0"/>
+                                          </p:stCondLst>
+                                        </p:cTn>
+                                        <p:tgtEl>
+                                          <p:spTgt spid="10"/>
+                                        </p:tgtEl>
+                                        <p:attrNameLst>
+                                          <p:attrName>style.visibility</p:attrName>
+                                        </p:attrNameLst>
+                                      </p:cBhvr>
+                                      <p:to>
+                                        <p:strVal val="visible"/>
+                                      </p:to>
+                                    </p:set>
+                                    <p:animEffect transition="in" filter="fade">
+                                      <p:cBhvr>
+                                        <p:cTn id="31" dur="500"/>
+                                        <p:tgtEl>
+                                          <p:spTgt spid="10"/>
+                                        </p:tgtEl>
+                                      </p:cBhvr>
+                                    </p:animEffect>
+                                  </p:childTnLst>
+                                </p:cTn>
+                              </p:par>
+                            </p:childTnLst>
+                          </p:cTn>
+                        </p:par>
+                      </p:childTnLst>
+                    </p:cTn>
+                  </p:par>
+                  <p:par>
+                    <p:cTn id="32" fill="hold">
+                      <p:stCondLst>
+                        <p:cond delay="indefinite"/>
+                      </p:stCondLst>
+                      <p:childTnLst>
+                        <p:par>
+                          <p:cTn id="33" fill="hold">
+                            <p:stCondLst>
+                              <p:cond delay="0"/>
+                            </p:stCondLst>
+                            <p:childTnLst>
+                              <p:par>
+                                <p:cTn id="34" presetID="1" presetClass="exit" presetSubtype="0" fill="hold" nodeType="clickEffect">
+                                  <p:stCondLst>
+                                    <p:cond delay="0"/>
+                                  </p:stCondLst>
+                                  <p:childTnLst>
+                                    <p:set>
+                                      <p:cBhvr>
+                                        <p:cTn id="35" dur="1" fill="hold">
+                                          <p:stCondLst>
+                                            <p:cond delay="0"/>
+                                          </p:stCondLst>
+                                        </p:cTn>
+                                        <p:tgtEl>
+                                          <p:spTgt spid="10"/>
+                                        </p:tgtEl>
+                                        <p:attrNameLst>
+                                          <p:attrName>style.visibility</p:attrName>
+                                        </p:attrNameLst>
+                                      </p:cBhvr>
+                                      <p:to>
+                                        <p:strVal val="hidden"/>
+                                      </p:to>
+                                    </p:set>
+                                  </p:childTnLst>
+                                </p:cTn>
+                              </p:par>
+                              <p:par>
+                                <p:cTn id="36" presetID="1" presetClass="entr" presetSubtype="0" fill="hold" nodeType="withEffect">
+                                  <p:stCondLst>
+                                    <p:cond delay="0"/>
+                                  </p:stCondLst>
+                                  <p:childTnLst>
+                                    <p:set>
+                                      <p:cBhvr>
+                                        <p:cTn id="37" dur="1" fill="hold">
+                                          <p:stCondLst>
+                                            <p:cond delay="0"/>
+                                          </p:stCondLst>
+                                        </p:cTn>
+                                        <p:tgtEl>
+                                          <p:spTgt spid="14"/>
+                                        </p:tgtEl>
+                                        <p:attrNameLst>
+                                          <p:attrName>style.visibility</p:attrName>
+                                        </p:attrNameLst>
+                                      </p:cBhvr>
+                                      <p:to>
+                                        <p:strVal val="visible"/>
+                                      </p:to>
+                                    </p:set>
+                                  </p:childTnLst>
+                                </p:cTn>
+                              </p:par>
+                            </p:childTnLst>
+                          </p:cTn>
+                        </p:par>
+                      </p:childTnLst>
+                    </p:cTn>
+                  </p:par>
+                  <p:par>
+                    <p:cTn id="38" fill="hold">
+                      <p:stCondLst>
+                        <p:cond delay="indefinite"/>
+                      </p:stCondLst>
+                      <p:childTnLst>
+                        <p:par>
+                          <p:cTn id="39" fill="hold">
+                            <p:stCondLst>
+                              <p:cond delay="0"/>
+                            </p:stCondLst>
+                            <p:childTnLst>
+                              <p:par>
+                                <p:cTn id="40" presetID="1" presetClass="exit" presetSubtype="0" fill="hold" nodeType="clickEffect">
+                                  <p:stCondLst>
+                                    <p:cond delay="0"/>
+                                  </p:stCondLst>
+                                  <p:childTnLst>
+                                    <p:set>
+                                      <p:cBhvr>
+                                        <p:cTn id="41" dur="1" fill="hold">
+                                          <p:stCondLst>
+                                            <p:cond delay="0"/>
+                                          </p:stCondLst>
+                                        </p:cTn>
+                                        <p:tgtEl>
+                                          <p:spTgt spid="14"/>
+                                        </p:tgtEl>
+                                        <p:attrNameLst>
+                                          <p:attrName>style.visibility</p:attrName>
+                                        </p:attrNameLst>
+                                      </p:cBhvr>
+                                      <p:to>
+                                        <p:strVal val="hidden"/>
+                                      </p:to>
+                                    </p:set>
+                                  </p:childTnLst>
+                                </p:cTn>
+                              </p:par>
+                              <p:par>
+                                <p:cTn id="42" presetID="10" presetClass="entr" presetSubtype="0" fill="hold" nodeType="withEffect">
+                                  <p:stCondLst>
+                                    <p:cond delay="0"/>
+                                  </p:stCondLst>
+                                  <p:childTnLst>
+                                    <p:set>
+                                      <p:cBhvr>
+                                        <p:cTn id="43" dur="1" fill="hold">
+                                          <p:stCondLst>
+                                            <p:cond delay="0"/>
+                                          </p:stCondLst>
+                                        </p:cTn>
+                                        <p:tgtEl>
+                                          <p:spTgt spid="15"/>
+                                        </p:tgtEl>
+                                        <p:attrNameLst>
+                                          <p:attrName>style.visibility</p:attrName>
+                                        </p:attrNameLst>
+                                      </p:cBhvr>
+                                      <p:to>
+                                        <p:strVal val="visible"/>
+                                      </p:to>
+                                    </p:set>
+                                    <p:animEffect transition="in" filter="fade">
+                                      <p:cBhvr>
+                                        <p:cTn id="44" dur="500"/>
+                                        <p:tgtEl>
+                                          <p:spTgt spid="15"/>
+                                        </p:tgtEl>
+                                      </p:cBhvr>
+                                    </p:animEffect>
+                                  </p:childTnLst>
+                                </p:cTn>
+                              </p:par>
+                            </p:childTnLst>
+                          </p:cTn>
+                        </p:par>
+                      </p:childTnLst>
+                    </p:cTn>
+                  </p:par>
+                  <p:par>
+                    <p:cTn id="45" fill="hold">
+                      <p:stCondLst>
+                        <p:cond delay="indefinite"/>
+                      </p:stCondLst>
+                      <p:childTnLst>
+                        <p:par>
+                          <p:cTn id="46" fill="hold">
+                            <p:stCondLst>
+                              <p:cond delay="0"/>
+                            </p:stCondLst>
+                            <p:childTnLst>
+                              <p:par>
+                                <p:cTn id="47" presetID="1" presetClass="exit" presetSubtype="0" fill="hold" nodeType="clickEffect">
+                                  <p:stCondLst>
+                                    <p:cond delay="0"/>
+                                  </p:stCondLst>
+                                  <p:childTnLst>
+                                    <p:set>
+                                      <p:cBhvr>
+                                        <p:cTn id="48" dur="1" fill="hold">
+                                          <p:stCondLst>
+                                            <p:cond delay="0"/>
+                                          </p:stCondLst>
+                                        </p:cTn>
+                                        <p:tgtEl>
+                                          <p:spTgt spid="15"/>
+                                        </p:tgtEl>
+                                        <p:attrNameLst>
+                                          <p:attrName>style.visibility</p:attrName>
+                                        </p:attrNameLst>
+                                      </p:cBhvr>
+                                      <p:to>
+                                        <p:strVal val="hidden"/>
+                                      </p:to>
+                                    </p:set>
+                                  </p:childTnLst>
+                                </p:cTn>
+                              </p:par>
+                              <p:par>
+                                <p:cTn id="49" presetID="10" presetClass="entr" presetSubtype="0" fill="hold" nodeType="withEffect">
+                                  <p:stCondLst>
+                                    <p:cond delay="0"/>
+                                  </p:stCondLst>
+                                  <p:childTnLst>
+                                    <p:set>
+                                      <p:cBhvr>
+                                        <p:cTn id="50" dur="1" fill="hold">
+                                          <p:stCondLst>
+                                            <p:cond delay="0"/>
+                                          </p:stCondLst>
+                                        </p:cTn>
+                                        <p:tgtEl>
+                                          <p:spTgt spid="17"/>
+                                        </p:tgtEl>
+                                        <p:attrNameLst>
+                                          <p:attrName>style.visibility</p:attrName>
+                                        </p:attrNameLst>
+                                      </p:cBhvr>
+                                      <p:to>
+                                        <p:strVal val="visible"/>
+                                      </p:to>
+                                    </p:set>
+                                    <p:animEffect transition="in" filter="fade">
+                                      <p:cBhvr>
+                                        <p:cTn id="51" dur="500"/>
+                                        <p:tgtEl>
+                                          <p:spTgt spid="17"/>
+                                        </p:tgtEl>
+                                      </p:cBhvr>
+                                    </p:animEffect>
+                                  </p:childTnLst>
+                                </p:cTn>
+                              </p:par>
+                            </p:childTnLst>
+                          </p:cTn>
+                        </p:par>
+                      </p:childTnLst>
+                    </p:cTn>
+                  </p:par>
+                  <p:par>
+                    <p:cTn id="52" fill="hold">
+                      <p:stCondLst>
+                        <p:cond delay="indefinite"/>
+                      </p:stCondLst>
+                      <p:childTnLst>
+                        <p:par>
+                          <p:cTn id="53" fill="hold">
+                            <p:stCondLst>
+                              <p:cond delay="0"/>
+                            </p:stCondLst>
+                            <p:childTnLst>
+                              <p:par>
+                                <p:cTn id="54" presetID="1" presetClass="exit" presetSubtype="0" fill="hold" nodeType="clickEffect">
+                                  <p:stCondLst>
+                                    <p:cond delay="0"/>
+                                  </p:stCondLst>
+                                  <p:childTnLst>
+                                    <p:set>
+                                      <p:cBhvr>
+                                        <p:cTn id="55" dur="1" fill="hold">
+                                          <p:stCondLst>
+                                            <p:cond delay="0"/>
+                                          </p:stCondLst>
+                                        </p:cTn>
+                                        <p:tgtEl>
+                                          <p:spTgt spid="17"/>
+                                        </p:tgtEl>
+                                        <p:attrNameLst>
+                                          <p:attrName>style.visibility</p:attrName>
+                                        </p:attrNameLst>
+                                      </p:cBhvr>
+                                      <p:to>
+                                        <p:strVal val="hidden"/>
+                                      </p:to>
+                                    </p:set>
+                                  </p:childTnLst>
+                                </p:cTn>
+                              </p:par>
+                              <p:par>
+                                <p:cTn id="56" presetID="10" presetClass="entr" presetSubtype="0" fill="hold" nodeType="withEffect">
+                                  <p:stCondLst>
+                                    <p:cond delay="0"/>
+                                  </p:stCondLst>
+                                  <p:childTnLst>
+                                    <p:set>
+                                      <p:cBhvr>
+                                        <p:cTn id="57" dur="1" fill="hold">
+                                          <p:stCondLst>
+                                            <p:cond delay="0"/>
+                                          </p:stCondLst>
+                                        </p:cTn>
+                                        <p:tgtEl>
+                                          <p:spTgt spid="19"/>
+                                        </p:tgtEl>
+                                        <p:attrNameLst>
+                                          <p:attrName>style.visibility</p:attrName>
+                                        </p:attrNameLst>
+                                      </p:cBhvr>
+                                      <p:to>
+                                        <p:strVal val="visible"/>
+                                      </p:to>
+                                    </p:set>
+                                    <p:animEffect transition="in" filter="fade">
+                                      <p:cBhvr>
+                                        <p:cTn id="58" dur="500"/>
+                                        <p:tgtEl>
+                                          <p:spTgt spid="19"/>
+                                        </p:tgtEl>
+                                      </p:cBhvr>
+                                    </p:animEffect>
+                                  </p:childTnLst>
+                                </p:cTn>
+                              </p:par>
+                            </p:childTnLst>
+                          </p:cTn>
+                        </p:par>
+                      </p:childTnLst>
+                    </p:cTn>
+                  </p:par>
+                  <p:par>
+                    <p:cTn id="59" fill="hold">
+                      <p:stCondLst>
+                        <p:cond delay="indefinite"/>
+                      </p:stCondLst>
+                      <p:childTnLst>
+                        <p:par>
+                          <p:cTn id="60" fill="hold">
+                            <p:stCondLst>
+                              <p:cond delay="0"/>
+                            </p:stCondLst>
+                            <p:childTnLst>
+                              <p:par>
+                                <p:cTn id="61" presetID="1" presetClass="exit" presetSubtype="0" fill="hold" nodeType="clickEffect">
+                                  <p:stCondLst>
+                                    <p:cond delay="0"/>
+                                  </p:stCondLst>
+                                  <p:childTnLst>
+                                    <p:set>
+                                      <p:cBhvr>
+                                        <p:cTn id="62" dur="1" fill="hold">
+                                          <p:stCondLst>
+                                            <p:cond delay="0"/>
+                                          </p:stCondLst>
+                                        </p:cTn>
+                                        <p:tgtEl>
+                                          <p:spTgt spid="19"/>
+                                        </p:tgtEl>
+                                        <p:attrNameLst>
+                                          <p:attrName>style.visibility</p:attrName>
+                                        </p:attrNameLst>
+                                      </p:cBhvr>
+                                      <p:to>
+                                        <p:strVal val="hidden"/>
+                                      </p:to>
+                                    </p:set>
+                                  </p:childTnLst>
+                                </p:cTn>
+                              </p:par>
+                              <p:par>
+                                <p:cTn id="63" presetID="10" presetClass="entr" presetSubtype="0" fill="hold" nodeType="withEffect">
+                                  <p:stCondLst>
+                                    <p:cond delay="0"/>
+                                  </p:stCondLst>
+                                  <p:childTnLst>
+                                    <p:set>
+                                      <p:cBhvr>
+                                        <p:cTn id="64" dur="1" fill="hold">
+                                          <p:stCondLst>
+                                            <p:cond delay="0"/>
+                                          </p:stCondLst>
+                                        </p:cTn>
+                                        <p:tgtEl>
+                                          <p:spTgt spid="21"/>
+                                        </p:tgtEl>
+                                        <p:attrNameLst>
+                                          <p:attrName>style.visibility</p:attrName>
+                                        </p:attrNameLst>
+                                      </p:cBhvr>
+                                      <p:to>
+                                        <p:strVal val="visible"/>
+                                      </p:to>
+                                    </p:set>
+                                    <p:animEffect transition="in" filter="fade">
+                                      <p:cBhvr>
+                                        <p:cTn id="65" dur="500"/>
+                                        <p:tgtEl>
+                                          <p:spTgt spid="21"/>
+                                        </p:tgtEl>
+                                      </p:cBhvr>
+                                    </p:animEffect>
+                                  </p:childTnLst>
+                                </p:cTn>
+                              </p:par>
+                            </p:childTnLst>
+                          </p:cTn>
+                        </p:par>
+                      </p:childTnLst>
+                    </p:cTn>
+                  </p:par>
+                  <p:par>
+                    <p:cTn id="66" fill="hold">
+                      <p:stCondLst>
+                        <p:cond delay="indefinite"/>
+                      </p:stCondLst>
+                      <p:childTnLst>
+                        <p:par>
+                          <p:cTn id="67" fill="hold">
+                            <p:stCondLst>
+                              <p:cond delay="0"/>
+                            </p:stCondLst>
+                            <p:childTnLst>
+                              <p:par>
+                                <p:cTn id="68" presetID="1" presetClass="exit" presetSubtype="0" fill="hold" nodeType="clickEffect">
+                                  <p:stCondLst>
+                                    <p:cond delay="0"/>
+                                  </p:stCondLst>
+                                  <p:childTnLst>
+                                    <p:set>
+                                      <p:cBhvr>
+                                        <p:cTn id="69" dur="1" fill="hold">
+                                          <p:stCondLst>
+                                            <p:cond delay="0"/>
+                                          </p:stCondLst>
+                                        </p:cTn>
+                                        <p:tgtEl>
+                                          <p:spTgt spid="21"/>
+                                        </p:tgtEl>
+                                        <p:attrNameLst>
+                                          <p:attrName>style.visibility</p:attrName>
+                                        </p:attrNameLst>
+                                      </p:cBhvr>
+                                      <p:to>
+                                        <p:strVal val="hidden"/>
+                                      </p:to>
+                                    </p:set>
+                                  </p:childTnLst>
+                                </p:cTn>
+                              </p:par>
+                              <p:par>
+                                <p:cTn id="70" presetID="10" presetClass="entr" presetSubtype="0" fill="hold" nodeType="withEffect">
+                                  <p:stCondLst>
+                                    <p:cond delay="0"/>
+                                  </p:stCondLst>
+                                  <p:childTnLst>
+                                    <p:set>
+                                      <p:cBhvr>
+                                        <p:cTn id="71" dur="1" fill="hold">
+                                          <p:stCondLst>
+                                            <p:cond delay="0"/>
+                                          </p:stCondLst>
+                                        </p:cTn>
+                                        <p:tgtEl>
+                                          <p:spTgt spid="23"/>
+                                        </p:tgtEl>
+                                        <p:attrNameLst>
+                                          <p:attrName>style.visibility</p:attrName>
+                                        </p:attrNameLst>
+                                      </p:cBhvr>
+                                      <p:to>
+                                        <p:strVal val="visible"/>
+                                      </p:to>
+                                    </p:set>
+                                    <p:animEffect transition="in" filter="fade">
+                                      <p:cBhvr>
+                                        <p:cTn id="72" dur="500"/>
+                                        <p:tgtEl>
+                                          <p:spTgt spid="23"/>
+                                        </p:tgtEl>
+                                      </p:cBhvr>
+                                    </p:animEffect>
+                                  </p:childTnLst>
+                                </p:cTn>
+                              </p:par>
+                            </p:childTnLst>
+                          </p:cTn>
+                        </p:par>
+                      </p:childTnLst>
+                    </p:cTn>
+                  </p:par>
+                  <p:par>
+                    <p:cTn id="73" fill="hold">
+                      <p:stCondLst>
+                        <p:cond delay="indefinite"/>
+                      </p:stCondLst>
+                      <p:childTnLst>
+                        <p:par>
+                          <p:cTn id="74" fill="hold">
+                            <p:stCondLst>
+                              <p:cond delay="0"/>
+                            </p:stCondLst>
+                            <p:childTnLst>
+                              <p:par>
+                                <p:cTn id="75" presetID="1" presetClass="exit" presetSubtype="0" fill="hold" nodeType="clickEffect">
+                                  <p:stCondLst>
+                                    <p:cond delay="0"/>
+                                  </p:stCondLst>
+                                  <p:childTnLst>
+                                    <p:set>
+                                      <p:cBhvr>
+                                        <p:cTn id="76" dur="1" fill="hold">
+                                          <p:stCondLst>
+                                            <p:cond delay="0"/>
+                                          </p:stCondLst>
+                                        </p:cTn>
+                                        <p:tgtEl>
+                                          <p:spTgt spid="23"/>
+                                        </p:tgtEl>
+                                        <p:attrNameLst>
+                                          <p:attrName>style.visibility</p:attrName>
+                                        </p:attrNameLst>
+                                      </p:cBhvr>
+                                      <p:to>
+                                        <p:strVal val="hidden"/>
+                                      </p:to>
+                                    </p:set>
+                                  </p:childTnLst>
+                                </p:cTn>
+                              </p:par>
+                              <p:par>
+                                <p:cTn id="77" presetID="10" presetClass="entr" presetSubtype="0" fill="hold" nodeType="withEffect">
+                                  <p:stCondLst>
+                                    <p:cond delay="0"/>
+                                  </p:stCondLst>
+                                  <p:childTnLst>
+                                    <p:set>
+                                      <p:cBhvr>
+                                        <p:cTn id="78" dur="1" fill="hold">
+                                          <p:stCondLst>
+                                            <p:cond delay="0"/>
+                                          </p:stCondLst>
+                                        </p:cTn>
+                                        <p:tgtEl>
+                                          <p:spTgt spid="27"/>
+                                        </p:tgtEl>
+                                        <p:attrNameLst>
+                                          <p:attrName>style.visibility</p:attrName>
+                                        </p:attrNameLst>
+                                      </p:cBhvr>
+                                      <p:to>
+                                        <p:strVal val="visible"/>
+                                      </p:to>
+                                    </p:set>
+                                    <p:animEffect transition="in" filter="fade">
+                                      <p:cBhvr>
+                                        <p:cTn id="79" dur="500"/>
+                                        <p:tgtEl>
+                                          <p:spTgt spid="27"/>
+                                        </p:tgtEl>
+                                      </p:cBhvr>
+                                    </p:animEffect>
+                                  </p:childTnLst>
+                                </p:cTn>
+                              </p:par>
+                            </p:childTnLst>
+                          </p:cTn>
+                        </p:par>
+                      </p:childTnLst>
+                    </p:cTn>
+                  </p:par>
+                  <p:par>
+                    <p:cTn id="80" fill="hold">
+                      <p:stCondLst>
+                        <p:cond delay="indefinite"/>
+                      </p:stCondLst>
+                      <p:childTnLst>
+                        <p:par>
+                          <p:cTn id="81" fill="hold">
+                            <p:stCondLst>
+                              <p:cond delay="0"/>
+                            </p:stCondLst>
+                            <p:childTnLst>
+                              <p:par>
+                                <p:cTn id="82" presetID="1" presetClass="exit" presetSubtype="0" fill="hold" nodeType="clickEffect">
+                                  <p:stCondLst>
+                                    <p:cond delay="0"/>
+                                  </p:stCondLst>
+                                  <p:childTnLst>
+                                    <p:set>
+                                      <p:cBhvr>
+                                        <p:cTn id="83" dur="1" fill="hold">
+                                          <p:stCondLst>
+                                            <p:cond delay="0"/>
+                                          </p:stCondLst>
+                                        </p:cTn>
+                                        <p:tgtEl>
+                                          <p:spTgt spid="27"/>
+                                        </p:tgtEl>
+                                        <p:attrNameLst>
+                                          <p:attrName>style.visibility</p:attrName>
+                                        </p:attrNameLst>
+                                      </p:cBhvr>
+                                      <p:to>
+                                        <p:strVal val="hidden"/>
+                                      </p:to>
+                                    </p:set>
+                                  </p:childTnLst>
+                                </p:cTn>
+                              </p:par>
+                              <p:par>
+                                <p:cTn id="84" presetID="10" presetClass="entr" presetSubtype="0" fill="hold" nodeType="withEffect">
+                                  <p:stCondLst>
+                                    <p:cond delay="0"/>
+                                  </p:stCondLst>
+                                  <p:childTnLst>
+                                    <p:set>
+                                      <p:cBhvr>
+                                        <p:cTn id="85" dur="1" fill="hold">
+                                          <p:stCondLst>
+                                            <p:cond delay="0"/>
+                                          </p:stCondLst>
+                                        </p:cTn>
+                                        <p:tgtEl>
+                                          <p:spTgt spid="29"/>
+                                        </p:tgtEl>
+                                        <p:attrNameLst>
+                                          <p:attrName>style.visibility</p:attrName>
+                                        </p:attrNameLst>
+                                      </p:cBhvr>
+                                      <p:to>
+                                        <p:strVal val="visible"/>
+                                      </p:to>
+                                    </p:set>
+                                    <p:animEffect transition="in" filter="fade">
+                                      <p:cBhvr>
+                                        <p:cTn id="86" dur="500"/>
+                                        <p:tgtEl>
+                                          <p:spTgt spid="29"/>
+                                        </p:tgtEl>
+                                      </p:cBhvr>
+                                    </p:animEffect>
+                                  </p:childTnLst>
+                                </p:cTn>
+                              </p:par>
+                            </p:childTnLst>
+                          </p:cTn>
+                        </p:par>
+                      </p:childTnLst>
+                    </p:cTn>
+                  </p:par>
+                  <p:par>
+                    <p:cTn id="87" fill="hold">
+                      <p:stCondLst>
+                        <p:cond delay="indefinite"/>
+                      </p:stCondLst>
+                      <p:childTnLst>
+                        <p:par>
+                          <p:cTn id="88" fill="hold">
+                            <p:stCondLst>
+                              <p:cond delay="0"/>
+                            </p:stCondLst>
+                            <p:childTnLst>
+                              <p:par>
+                                <p:cTn id="89" presetID="1" presetClass="exit" presetSubtype="0" fill="hold" nodeType="clickEffect">
+                                  <p:stCondLst>
+                                    <p:cond delay="0"/>
+                                  </p:stCondLst>
+                                  <p:childTnLst>
+                                    <p:set>
+                                      <p:cBhvr>
+                                        <p:cTn id="90" dur="1" fill="hold">
+                                          <p:stCondLst>
+                                            <p:cond delay="0"/>
+                                          </p:stCondLst>
+                                        </p:cTn>
+                                        <p:tgtEl>
+                                          <p:spTgt spid="29"/>
+                                        </p:tgtEl>
+                                        <p:attrNameLst>
+                                          <p:attrName>style.visibility</p:attrName>
+                                        </p:attrNameLst>
+                                      </p:cBhvr>
+                                      <p:to>
+                                        <p:strVal val="hidden"/>
+                                      </p:to>
+                                    </p:set>
+                                  </p:childTnLst>
+                                </p:cTn>
+                              </p:par>
+                              <p:par>
+                                <p:cTn id="91" presetID="10" presetClass="entr" presetSubtype="0" fill="hold" nodeType="withEffect">
+                                  <p:stCondLst>
+                                    <p:cond delay="0"/>
+                                  </p:stCondLst>
+                                  <p:childTnLst>
+                                    <p:set>
+                                      <p:cBhvr>
+                                        <p:cTn id="92" dur="1" fill="hold">
+                                          <p:stCondLst>
+                                            <p:cond delay="0"/>
+                                          </p:stCondLst>
+                                        </p:cTn>
+                                        <p:tgtEl>
+                                          <p:spTgt spid="31"/>
+                                        </p:tgtEl>
+                                        <p:attrNameLst>
+                                          <p:attrName>style.visibility</p:attrName>
+                                        </p:attrNameLst>
+                                      </p:cBhvr>
+                                      <p:to>
+                                        <p:strVal val="visible"/>
+                                      </p:to>
+                                    </p:set>
+                                    <p:animEffect transition="in" filter="fade">
+                                      <p:cBhvr>
+                                        <p:cTn id="93" dur="500"/>
+                                        <p:tgtEl>
+                                          <p:spTgt spid="31"/>
+                                        </p:tgtEl>
+                                      </p:cBhvr>
+                                    </p:animEffect>
+                                  </p:childTnLst>
+                                </p:cTn>
+                              </p:par>
+                            </p:childTnLst>
+                          </p:cTn>
+                        </p:par>
+                      </p:childTnLst>
+                    </p:cTn>
+                  </p:par>
+                  <p:par>
+                    <p:cTn id="94" fill="hold">
+                      <p:stCondLst>
+                        <p:cond delay="indefinite"/>
+                      </p:stCondLst>
+                      <p:childTnLst>
+                        <p:par>
+                          <p:cTn id="95" fill="hold">
+                            <p:stCondLst>
+                              <p:cond delay="0"/>
+                            </p:stCondLst>
+                            <p:childTnLst>
+                              <p:par>
+                                <p:cTn id="96" presetID="1" presetClass="exit" presetSubtype="0" fill="hold" nodeType="clickEffect">
+                                  <p:stCondLst>
+                                    <p:cond delay="0"/>
+                                  </p:stCondLst>
+                                  <p:childTnLst>
+                                    <p:set>
+                                      <p:cBhvr>
+                                        <p:cTn id="97" dur="1" fill="hold">
+                                          <p:stCondLst>
+                                            <p:cond delay="0"/>
+                                          </p:stCondLst>
+                                        </p:cTn>
+                                        <p:tgtEl>
+                                          <p:spTgt spid="31"/>
+                                        </p:tgtEl>
+                                        <p:attrNameLst>
+                                          <p:attrName>style.visibility</p:attrName>
+                                        </p:attrNameLst>
+                                      </p:cBhvr>
+                                      <p:to>
+                                        <p:strVal val="hidden"/>
+                                      </p:to>
+                                    </p:set>
+                                  </p:childTnLst>
+                                </p:cTn>
+                              </p:par>
+                              <p:par>
+                                <p:cTn id="98" presetID="10" presetClass="entr" presetSubtype="0" fill="hold" nodeType="withEffect">
+                                  <p:stCondLst>
+                                    <p:cond delay="0"/>
+                                  </p:stCondLst>
+                                  <p:childTnLst>
+                                    <p:set>
+                                      <p:cBhvr>
+                                        <p:cTn id="99" dur="1" fill="hold">
+                                          <p:stCondLst>
+                                            <p:cond delay="0"/>
+                                          </p:stCondLst>
+                                        </p:cTn>
+                                        <p:tgtEl>
+                                          <p:spTgt spid="33"/>
+                                        </p:tgtEl>
+                                        <p:attrNameLst>
+                                          <p:attrName>style.visibility</p:attrName>
+                                        </p:attrNameLst>
+                                      </p:cBhvr>
+                                      <p:to>
+                                        <p:strVal val="visible"/>
+                                      </p:to>
+                                    </p:set>
+                                    <p:animEffect transition="in" filter="fade">
+                                      <p:cBhvr>
+                                        <p:cTn id="100" dur="500"/>
+                                        <p:tgtEl>
+                                          <p:spTgt spid="33"/>
+                                        </p:tgtEl>
+                                      </p:cBhvr>
+                                    </p:animEffect>
+                                  </p:childTnLst>
+                                </p:cTn>
+                              </p:par>
+                            </p:childTnLst>
+                          </p:cTn>
+                        </p:par>
+                      </p:childTnLst>
+                    </p:cTn>
+                  </p:par>
+                  <p:par>
+                    <p:cTn id="101" fill="hold">
+                      <p:stCondLst>
+                        <p:cond delay="indefinite"/>
+                      </p:stCondLst>
+                      <p:childTnLst>
+                        <p:par>
+                          <p:cTn id="102" fill="hold">
+                            <p:stCondLst>
+                              <p:cond delay="0"/>
+                            </p:stCondLst>
+                            <p:childTnLst>
+                              <p:par>
+                                <p:cTn id="103" presetID="1" presetClass="exit" presetSubtype="0" fill="hold" nodeType="clickEffect">
+                                  <p:stCondLst>
+                                    <p:cond delay="0"/>
+                                  </p:stCondLst>
+                                  <p:childTnLst>
+                                    <p:set>
+                                      <p:cBhvr>
+                                        <p:cTn id="104" dur="1" fill="hold">
+                                          <p:stCondLst>
+                                            <p:cond delay="0"/>
+                                          </p:stCondLst>
+                                        </p:cTn>
+                                        <p:tgtEl>
+                                          <p:spTgt spid="33"/>
+                                        </p:tgtEl>
+                                        <p:attrNameLst>
+                                          <p:attrName>style.visibility</p:attrName>
+                                        </p:attrNameLst>
+                                      </p:cBhvr>
+                                      <p:to>
+                                        <p:strVal val="hidden"/>
+                                      </p:to>
+                                    </p:set>
+                                  </p:childTnLst>
+                                </p:cTn>
+                              </p:par>
+                            </p:childTnLst>
+                          </p:cTn>
+                        </p:par>
+                      </p:childTnLst>
+                    </p:cTn>
+                  </p:par>
+                </p:childTnLst>
+              </p:cTn>
+              <p:prevCondLst>
+                <p:cond evt="onPrev" delay="0">
+                  <p:tgtEl>
+                    <p:sldTgt/>
+                  </p:tgtEl>
+                </p:cond>
+              </p:prevCondLst>
+              <p:nextCondLst>
+                <p:cond evt="onNext" delay="0">
+                  <p:tgtEl>
+                    <p:sldTgt/>
+                  </p:tgtEl>
+                </p:cond>
+              </p:nextCondLst>
+            </p:seq>
+          </p:childTnLst>
+        </p:cTn>
+      </p:par>
+    </p:tnLst>
+    <p:bldLst>
+      <p:bldP spid="3" grpId="0" build="p"/>
+      <p:bldP spid="3" grpId="1" build="p"/>
+    </p:bldLst>
+  </p:timing>
 </p:sld>
 </file>
 
